--- a/martian.pptx
+++ b/martian.pptx
@@ -204,10 +204,9 @@
           </a:lstStyle>
           <a:p>
             <a:r>
-              <a:rPr lang="tr-TR" smtClean="0"/>
+              <a:rPr lang="tr-TR"/>
               <a:t>Asıl başlık stili için tıklatın</a:t>
             </a:r>
-            <a:endParaRPr lang="tr-TR"/>
           </a:p>
         </p:txBody>
       </p:sp>
@@ -269,10 +268,9 @@
           </a:lstStyle>
           <a:p>
             <a:r>
-              <a:rPr lang="tr-TR" smtClean="0"/>
+              <a:rPr lang="tr-TR"/>
               <a:t>Asıl alt başlık stilini düzenlemek için tıklayın</a:t>
             </a:r>
-            <a:endParaRPr lang="tr-TR"/>
           </a:p>
         </p:txBody>
       </p:sp>
@@ -293,7 +291,7 @@
           <a:p>
             <a:fld id="{B4EBC0F2-C309-4F7D-9D5A-36C3CB24DF31}" type="datetimeFigureOut">
               <a:rPr lang="tr-TR" smtClean="0"/>
-              <a:t>31.12.2023</a:t>
+              <a:t>4.01.2024</a:t>
             </a:fld>
             <a:endParaRPr lang="tr-TR"/>
           </a:p>
@@ -390,10 +388,9 @@
           <a:lstStyle/>
           <a:p>
             <a:r>
-              <a:rPr lang="tr-TR" smtClean="0"/>
+              <a:rPr lang="tr-TR"/>
               <a:t>Asıl başlık stili için tıklatın</a:t>
             </a:r>
-            <a:endParaRPr lang="tr-TR"/>
           </a:p>
         </p:txBody>
       </p:sp>
@@ -414,38 +411,37 @@
           <a:p>
             <a:pPr lvl="0"/>
             <a:r>
-              <a:rPr lang="tr-TR" smtClean="0"/>
+              <a:rPr lang="tr-TR"/>
               <a:t>Asıl metin stillerini düzenle</a:t>
             </a:r>
           </a:p>
           <a:p>
             <a:pPr lvl="1"/>
             <a:r>
-              <a:rPr lang="tr-TR" smtClean="0"/>
+              <a:rPr lang="tr-TR"/>
               <a:t>İkinci düzey</a:t>
             </a:r>
           </a:p>
           <a:p>
             <a:pPr lvl="2"/>
             <a:r>
-              <a:rPr lang="tr-TR" smtClean="0"/>
+              <a:rPr lang="tr-TR"/>
               <a:t>Üçüncü düzey</a:t>
             </a:r>
           </a:p>
           <a:p>
             <a:pPr lvl="3"/>
             <a:r>
-              <a:rPr lang="tr-TR" smtClean="0"/>
+              <a:rPr lang="tr-TR"/>
               <a:t>Dördüncü düzey</a:t>
             </a:r>
           </a:p>
           <a:p>
             <a:pPr lvl="4"/>
             <a:r>
-              <a:rPr lang="tr-TR" smtClean="0"/>
+              <a:rPr lang="tr-TR"/>
               <a:t>Beşinci düzey</a:t>
             </a:r>
-            <a:endParaRPr lang="tr-TR"/>
           </a:p>
         </p:txBody>
       </p:sp>
@@ -466,7 +462,7 @@
           <a:p>
             <a:fld id="{B4EBC0F2-C309-4F7D-9D5A-36C3CB24DF31}" type="datetimeFigureOut">
               <a:rPr lang="tr-TR" smtClean="0"/>
-              <a:t>31.12.2023</a:t>
+              <a:t>4.01.2024</a:t>
             </a:fld>
             <a:endParaRPr lang="tr-TR"/>
           </a:p>
@@ -568,10 +564,9 @@
           <a:lstStyle/>
           <a:p>
             <a:r>
-              <a:rPr lang="tr-TR" smtClean="0"/>
+              <a:rPr lang="tr-TR"/>
               <a:t>Asıl başlık stili için tıklatın</a:t>
             </a:r>
-            <a:endParaRPr lang="tr-TR"/>
           </a:p>
         </p:txBody>
       </p:sp>
@@ -597,38 +592,37 @@
           <a:p>
             <a:pPr lvl="0"/>
             <a:r>
-              <a:rPr lang="tr-TR" smtClean="0"/>
+              <a:rPr lang="tr-TR"/>
               <a:t>Asıl metin stillerini düzenle</a:t>
             </a:r>
           </a:p>
           <a:p>
             <a:pPr lvl="1"/>
             <a:r>
-              <a:rPr lang="tr-TR" smtClean="0"/>
+              <a:rPr lang="tr-TR"/>
               <a:t>İkinci düzey</a:t>
             </a:r>
           </a:p>
           <a:p>
             <a:pPr lvl="2"/>
             <a:r>
-              <a:rPr lang="tr-TR" smtClean="0"/>
+              <a:rPr lang="tr-TR"/>
               <a:t>Üçüncü düzey</a:t>
             </a:r>
           </a:p>
           <a:p>
             <a:pPr lvl="3"/>
             <a:r>
-              <a:rPr lang="tr-TR" smtClean="0"/>
+              <a:rPr lang="tr-TR"/>
               <a:t>Dördüncü düzey</a:t>
             </a:r>
           </a:p>
           <a:p>
             <a:pPr lvl="4"/>
             <a:r>
-              <a:rPr lang="tr-TR" smtClean="0"/>
+              <a:rPr lang="tr-TR"/>
               <a:t>Beşinci düzey</a:t>
             </a:r>
-            <a:endParaRPr lang="tr-TR"/>
           </a:p>
         </p:txBody>
       </p:sp>
@@ -649,7 +643,7 @@
           <a:p>
             <a:fld id="{B4EBC0F2-C309-4F7D-9D5A-36C3CB24DF31}" type="datetimeFigureOut">
               <a:rPr lang="tr-TR" smtClean="0"/>
-              <a:t>31.12.2023</a:t>
+              <a:t>4.01.2024</a:t>
             </a:fld>
             <a:endParaRPr lang="tr-TR"/>
           </a:p>
@@ -746,10 +740,9 @@
           <a:lstStyle/>
           <a:p>
             <a:r>
-              <a:rPr lang="tr-TR" smtClean="0"/>
+              <a:rPr lang="tr-TR"/>
               <a:t>Asıl başlık stili için tıklatın</a:t>
             </a:r>
-            <a:endParaRPr lang="tr-TR"/>
           </a:p>
         </p:txBody>
       </p:sp>
@@ -770,38 +763,37 @@
           <a:p>
             <a:pPr lvl="0"/>
             <a:r>
-              <a:rPr lang="tr-TR" smtClean="0"/>
+              <a:rPr lang="tr-TR"/>
               <a:t>Asıl metin stillerini düzenle</a:t>
             </a:r>
           </a:p>
           <a:p>
             <a:pPr lvl="1"/>
             <a:r>
-              <a:rPr lang="tr-TR" smtClean="0"/>
+              <a:rPr lang="tr-TR"/>
               <a:t>İkinci düzey</a:t>
             </a:r>
           </a:p>
           <a:p>
             <a:pPr lvl="2"/>
             <a:r>
-              <a:rPr lang="tr-TR" smtClean="0"/>
+              <a:rPr lang="tr-TR"/>
               <a:t>Üçüncü düzey</a:t>
             </a:r>
           </a:p>
           <a:p>
             <a:pPr lvl="3"/>
             <a:r>
-              <a:rPr lang="tr-TR" smtClean="0"/>
+              <a:rPr lang="tr-TR"/>
               <a:t>Dördüncü düzey</a:t>
             </a:r>
           </a:p>
           <a:p>
             <a:pPr lvl="4"/>
             <a:r>
-              <a:rPr lang="tr-TR" smtClean="0"/>
+              <a:rPr lang="tr-TR"/>
               <a:t>Beşinci düzey</a:t>
             </a:r>
-            <a:endParaRPr lang="tr-TR"/>
           </a:p>
         </p:txBody>
       </p:sp>
@@ -822,7 +814,7 @@
           <a:p>
             <a:fld id="{B4EBC0F2-C309-4F7D-9D5A-36C3CB24DF31}" type="datetimeFigureOut">
               <a:rPr lang="tr-TR" smtClean="0"/>
-              <a:t>31.12.2023</a:t>
+              <a:t>4.01.2024</a:t>
             </a:fld>
             <a:endParaRPr lang="tr-TR"/>
           </a:p>
@@ -928,10 +920,9 @@
           </a:lstStyle>
           <a:p>
             <a:r>
-              <a:rPr lang="tr-TR" smtClean="0"/>
+              <a:rPr lang="tr-TR"/>
               <a:t>Asıl başlık stili için tıklatın</a:t>
             </a:r>
-            <a:endParaRPr lang="tr-TR"/>
           </a:p>
         </p:txBody>
       </p:sp>
@@ -1048,7 +1039,7 @@
           <a:p>
             <a:pPr lvl="0"/>
             <a:r>
-              <a:rPr lang="tr-TR" smtClean="0"/>
+              <a:rPr lang="tr-TR"/>
               <a:t>Asıl metin stillerini düzenle</a:t>
             </a:r>
           </a:p>
@@ -1071,7 +1062,7 @@
           <a:p>
             <a:fld id="{B4EBC0F2-C309-4F7D-9D5A-36C3CB24DF31}" type="datetimeFigureOut">
               <a:rPr lang="tr-TR" smtClean="0"/>
-              <a:t>31.12.2023</a:t>
+              <a:t>4.01.2024</a:t>
             </a:fld>
             <a:endParaRPr lang="tr-TR"/>
           </a:p>
@@ -1168,10 +1159,9 @@
           <a:lstStyle/>
           <a:p>
             <a:r>
-              <a:rPr lang="tr-TR" smtClean="0"/>
+              <a:rPr lang="tr-TR"/>
               <a:t>Asıl başlık stili için tıklatın</a:t>
             </a:r>
-            <a:endParaRPr lang="tr-TR"/>
           </a:p>
         </p:txBody>
       </p:sp>
@@ -1197,38 +1187,37 @@
           <a:p>
             <a:pPr lvl="0"/>
             <a:r>
-              <a:rPr lang="tr-TR" smtClean="0"/>
+              <a:rPr lang="tr-TR"/>
               <a:t>Asıl metin stillerini düzenle</a:t>
             </a:r>
           </a:p>
           <a:p>
             <a:pPr lvl="1"/>
             <a:r>
-              <a:rPr lang="tr-TR" smtClean="0"/>
+              <a:rPr lang="tr-TR"/>
               <a:t>İkinci düzey</a:t>
             </a:r>
           </a:p>
           <a:p>
             <a:pPr lvl="2"/>
             <a:r>
-              <a:rPr lang="tr-TR" smtClean="0"/>
+              <a:rPr lang="tr-TR"/>
               <a:t>Üçüncü düzey</a:t>
             </a:r>
           </a:p>
           <a:p>
             <a:pPr lvl="3"/>
             <a:r>
-              <a:rPr lang="tr-TR" smtClean="0"/>
+              <a:rPr lang="tr-TR"/>
               <a:t>Dördüncü düzey</a:t>
             </a:r>
           </a:p>
           <a:p>
             <a:pPr lvl="4"/>
             <a:r>
-              <a:rPr lang="tr-TR" smtClean="0"/>
+              <a:rPr lang="tr-TR"/>
               <a:t>Beşinci düzey</a:t>
             </a:r>
-            <a:endParaRPr lang="tr-TR"/>
           </a:p>
         </p:txBody>
       </p:sp>
@@ -1254,38 +1243,37 @@
           <a:p>
             <a:pPr lvl="0"/>
             <a:r>
-              <a:rPr lang="tr-TR" smtClean="0"/>
+              <a:rPr lang="tr-TR"/>
               <a:t>Asıl metin stillerini düzenle</a:t>
             </a:r>
           </a:p>
           <a:p>
             <a:pPr lvl="1"/>
             <a:r>
-              <a:rPr lang="tr-TR" smtClean="0"/>
+              <a:rPr lang="tr-TR"/>
               <a:t>İkinci düzey</a:t>
             </a:r>
           </a:p>
           <a:p>
             <a:pPr lvl="2"/>
             <a:r>
-              <a:rPr lang="tr-TR" smtClean="0"/>
+              <a:rPr lang="tr-TR"/>
               <a:t>Üçüncü düzey</a:t>
             </a:r>
           </a:p>
           <a:p>
             <a:pPr lvl="3"/>
             <a:r>
-              <a:rPr lang="tr-TR" smtClean="0"/>
+              <a:rPr lang="tr-TR"/>
               <a:t>Dördüncü düzey</a:t>
             </a:r>
           </a:p>
           <a:p>
             <a:pPr lvl="4"/>
             <a:r>
-              <a:rPr lang="tr-TR" smtClean="0"/>
+              <a:rPr lang="tr-TR"/>
               <a:t>Beşinci düzey</a:t>
             </a:r>
-            <a:endParaRPr lang="tr-TR"/>
           </a:p>
         </p:txBody>
       </p:sp>
@@ -1306,7 +1294,7 @@
           <a:p>
             <a:fld id="{B4EBC0F2-C309-4F7D-9D5A-36C3CB24DF31}" type="datetimeFigureOut">
               <a:rPr lang="tr-TR" smtClean="0"/>
-              <a:t>31.12.2023</a:t>
+              <a:t>4.01.2024</a:t>
             </a:fld>
             <a:endParaRPr lang="tr-TR"/>
           </a:p>
@@ -1408,10 +1396,9 @@
           <a:lstStyle/>
           <a:p>
             <a:r>
-              <a:rPr lang="tr-TR" smtClean="0"/>
+              <a:rPr lang="tr-TR"/>
               <a:t>Asıl başlık stili için tıklatın</a:t>
             </a:r>
-            <a:endParaRPr lang="tr-TR"/>
           </a:p>
         </p:txBody>
       </p:sp>
@@ -1474,7 +1461,7 @@
           <a:p>
             <a:pPr lvl="0"/>
             <a:r>
-              <a:rPr lang="tr-TR" smtClean="0"/>
+              <a:rPr lang="tr-TR"/>
               <a:t>Asıl metin stillerini düzenle</a:t>
             </a:r>
           </a:p>
@@ -1502,38 +1489,37 @@
           <a:p>
             <a:pPr lvl="0"/>
             <a:r>
-              <a:rPr lang="tr-TR" smtClean="0"/>
+              <a:rPr lang="tr-TR"/>
               <a:t>Asıl metin stillerini düzenle</a:t>
             </a:r>
           </a:p>
           <a:p>
             <a:pPr lvl="1"/>
             <a:r>
-              <a:rPr lang="tr-TR" smtClean="0"/>
+              <a:rPr lang="tr-TR"/>
               <a:t>İkinci düzey</a:t>
             </a:r>
           </a:p>
           <a:p>
             <a:pPr lvl="2"/>
             <a:r>
-              <a:rPr lang="tr-TR" smtClean="0"/>
+              <a:rPr lang="tr-TR"/>
               <a:t>Üçüncü düzey</a:t>
             </a:r>
           </a:p>
           <a:p>
             <a:pPr lvl="3"/>
             <a:r>
-              <a:rPr lang="tr-TR" smtClean="0"/>
+              <a:rPr lang="tr-TR"/>
               <a:t>Dördüncü düzey</a:t>
             </a:r>
           </a:p>
           <a:p>
             <a:pPr lvl="4"/>
             <a:r>
-              <a:rPr lang="tr-TR" smtClean="0"/>
+              <a:rPr lang="tr-TR"/>
               <a:t>Beşinci düzey</a:t>
             </a:r>
-            <a:endParaRPr lang="tr-TR"/>
           </a:p>
         </p:txBody>
       </p:sp>
@@ -1596,7 +1582,7 @@
           <a:p>
             <a:pPr lvl="0"/>
             <a:r>
-              <a:rPr lang="tr-TR" smtClean="0"/>
+              <a:rPr lang="tr-TR"/>
               <a:t>Asıl metin stillerini düzenle</a:t>
             </a:r>
           </a:p>
@@ -1624,38 +1610,37 @@
           <a:p>
             <a:pPr lvl="0"/>
             <a:r>
-              <a:rPr lang="tr-TR" smtClean="0"/>
+              <a:rPr lang="tr-TR"/>
               <a:t>Asıl metin stillerini düzenle</a:t>
             </a:r>
           </a:p>
           <a:p>
             <a:pPr lvl="1"/>
             <a:r>
-              <a:rPr lang="tr-TR" smtClean="0"/>
+              <a:rPr lang="tr-TR"/>
               <a:t>İkinci düzey</a:t>
             </a:r>
           </a:p>
           <a:p>
             <a:pPr lvl="2"/>
             <a:r>
-              <a:rPr lang="tr-TR" smtClean="0"/>
+              <a:rPr lang="tr-TR"/>
               <a:t>Üçüncü düzey</a:t>
             </a:r>
           </a:p>
           <a:p>
             <a:pPr lvl="3"/>
             <a:r>
-              <a:rPr lang="tr-TR" smtClean="0"/>
+              <a:rPr lang="tr-TR"/>
               <a:t>Dördüncü düzey</a:t>
             </a:r>
           </a:p>
           <a:p>
             <a:pPr lvl="4"/>
             <a:r>
-              <a:rPr lang="tr-TR" smtClean="0"/>
+              <a:rPr lang="tr-TR"/>
               <a:t>Beşinci düzey</a:t>
             </a:r>
-            <a:endParaRPr lang="tr-TR"/>
           </a:p>
         </p:txBody>
       </p:sp>
@@ -1676,7 +1661,7 @@
           <a:p>
             <a:fld id="{B4EBC0F2-C309-4F7D-9D5A-36C3CB24DF31}" type="datetimeFigureOut">
               <a:rPr lang="tr-TR" smtClean="0"/>
-              <a:t>31.12.2023</a:t>
+              <a:t>4.01.2024</a:t>
             </a:fld>
             <a:endParaRPr lang="tr-TR"/>
           </a:p>
@@ -1773,10 +1758,9 @@
           <a:lstStyle/>
           <a:p>
             <a:r>
-              <a:rPr lang="tr-TR" smtClean="0"/>
+              <a:rPr lang="tr-TR"/>
               <a:t>Asıl başlık stili için tıklatın</a:t>
             </a:r>
-            <a:endParaRPr lang="tr-TR"/>
           </a:p>
         </p:txBody>
       </p:sp>
@@ -1797,7 +1781,7 @@
           <a:p>
             <a:fld id="{B4EBC0F2-C309-4F7D-9D5A-36C3CB24DF31}" type="datetimeFigureOut">
               <a:rPr lang="tr-TR" smtClean="0"/>
-              <a:t>31.12.2023</a:t>
+              <a:t>4.01.2024</a:t>
             </a:fld>
             <a:endParaRPr lang="tr-TR"/>
           </a:p>
@@ -1895,7 +1879,7 @@
           <a:p>
             <a:fld id="{B4EBC0F2-C309-4F7D-9D5A-36C3CB24DF31}" type="datetimeFigureOut">
               <a:rPr lang="tr-TR" smtClean="0"/>
-              <a:t>31.12.2023</a:t>
+              <a:t>4.01.2024</a:t>
             </a:fld>
             <a:endParaRPr lang="tr-TR"/>
           </a:p>
@@ -2001,10 +1985,9 @@
           </a:lstStyle>
           <a:p>
             <a:r>
-              <a:rPr lang="tr-TR" smtClean="0"/>
+              <a:rPr lang="tr-TR"/>
               <a:t>Asıl başlık stili için tıklatın</a:t>
             </a:r>
-            <a:endParaRPr lang="tr-TR"/>
           </a:p>
         </p:txBody>
       </p:sp>
@@ -2058,38 +2041,37 @@
           <a:p>
             <a:pPr lvl="0"/>
             <a:r>
-              <a:rPr lang="tr-TR" smtClean="0"/>
+              <a:rPr lang="tr-TR"/>
               <a:t>Asıl metin stillerini düzenle</a:t>
             </a:r>
           </a:p>
           <a:p>
             <a:pPr lvl="1"/>
             <a:r>
-              <a:rPr lang="tr-TR" smtClean="0"/>
+              <a:rPr lang="tr-TR"/>
               <a:t>İkinci düzey</a:t>
             </a:r>
           </a:p>
           <a:p>
             <a:pPr lvl="2"/>
             <a:r>
-              <a:rPr lang="tr-TR" smtClean="0"/>
+              <a:rPr lang="tr-TR"/>
               <a:t>Üçüncü düzey</a:t>
             </a:r>
           </a:p>
           <a:p>
             <a:pPr lvl="3"/>
             <a:r>
-              <a:rPr lang="tr-TR" smtClean="0"/>
+              <a:rPr lang="tr-TR"/>
               <a:t>Dördüncü düzey</a:t>
             </a:r>
           </a:p>
           <a:p>
             <a:pPr lvl="4"/>
             <a:r>
-              <a:rPr lang="tr-TR" smtClean="0"/>
+              <a:rPr lang="tr-TR"/>
               <a:t>Beşinci düzey</a:t>
             </a:r>
-            <a:endParaRPr lang="tr-TR"/>
           </a:p>
         </p:txBody>
       </p:sp>
@@ -2152,7 +2134,7 @@
           <a:p>
             <a:pPr lvl="0"/>
             <a:r>
-              <a:rPr lang="tr-TR" smtClean="0"/>
+              <a:rPr lang="tr-TR"/>
               <a:t>Asıl metin stillerini düzenle</a:t>
             </a:r>
           </a:p>
@@ -2175,7 +2157,7 @@
           <a:p>
             <a:fld id="{B4EBC0F2-C309-4F7D-9D5A-36C3CB24DF31}" type="datetimeFigureOut">
               <a:rPr lang="tr-TR" smtClean="0"/>
-              <a:t>31.12.2023</a:t>
+              <a:t>4.01.2024</a:t>
             </a:fld>
             <a:endParaRPr lang="tr-TR"/>
           </a:p>
@@ -2281,10 +2263,9 @@
           </a:lstStyle>
           <a:p>
             <a:r>
-              <a:rPr lang="tr-TR" smtClean="0"/>
+              <a:rPr lang="tr-TR"/>
               <a:t>Asıl başlık stili için tıklatın</a:t>
             </a:r>
-            <a:endParaRPr lang="tr-TR"/>
           </a:p>
         </p:txBody>
       </p:sp>
@@ -2408,7 +2389,7 @@
           <a:p>
             <a:pPr lvl="0"/>
             <a:r>
-              <a:rPr lang="tr-TR" smtClean="0"/>
+              <a:rPr lang="tr-TR"/>
               <a:t>Asıl metin stillerini düzenle</a:t>
             </a:r>
           </a:p>
@@ -2431,7 +2412,7 @@
           <a:p>
             <a:fld id="{B4EBC0F2-C309-4F7D-9D5A-36C3CB24DF31}" type="datetimeFigureOut">
               <a:rPr lang="tr-TR" smtClean="0"/>
-              <a:t>31.12.2023</a:t>
+              <a:t>4.01.2024</a:t>
             </a:fld>
             <a:endParaRPr lang="tr-TR"/>
           </a:p>
@@ -2543,10 +2524,9 @@
           <a:lstStyle/>
           <a:p>
             <a:r>
-              <a:rPr lang="tr-TR" smtClean="0"/>
+              <a:rPr lang="tr-TR"/>
               <a:t>Asıl başlık stili için tıklatın</a:t>
             </a:r>
-            <a:endParaRPr lang="tr-TR"/>
           </a:p>
         </p:txBody>
       </p:sp>
@@ -2577,38 +2557,37 @@
           <a:p>
             <a:pPr lvl="0"/>
             <a:r>
-              <a:rPr lang="tr-TR" smtClean="0"/>
+              <a:rPr lang="tr-TR"/>
               <a:t>Asıl metin stillerini düzenle</a:t>
             </a:r>
           </a:p>
           <a:p>
             <a:pPr lvl="1"/>
             <a:r>
-              <a:rPr lang="tr-TR" smtClean="0"/>
+              <a:rPr lang="tr-TR"/>
               <a:t>İkinci düzey</a:t>
             </a:r>
           </a:p>
           <a:p>
             <a:pPr lvl="2"/>
             <a:r>
-              <a:rPr lang="tr-TR" smtClean="0"/>
+              <a:rPr lang="tr-TR"/>
               <a:t>Üçüncü düzey</a:t>
             </a:r>
           </a:p>
           <a:p>
             <a:pPr lvl="3"/>
             <a:r>
-              <a:rPr lang="tr-TR" smtClean="0"/>
+              <a:rPr lang="tr-TR"/>
               <a:t>Dördüncü düzey</a:t>
             </a:r>
           </a:p>
           <a:p>
             <a:pPr lvl="4"/>
             <a:r>
-              <a:rPr lang="tr-TR" smtClean="0"/>
+              <a:rPr lang="tr-TR"/>
               <a:t>Beşinci düzey</a:t>
             </a:r>
-            <a:endParaRPr lang="tr-TR"/>
           </a:p>
         </p:txBody>
       </p:sp>
@@ -2647,7 +2626,7 @@
           <a:p>
             <a:fld id="{B4EBC0F2-C309-4F7D-9D5A-36C3CB24DF31}" type="datetimeFigureOut">
               <a:rPr lang="tr-TR" smtClean="0"/>
-              <a:t>31.12.2023</a:t>
+              <a:t>4.01.2024</a:t>
             </a:fld>
             <a:endParaRPr lang="tr-TR"/>
           </a:p>
@@ -3127,8 +3106,8 @@
         </p:nvSpPr>
         <p:spPr>
           <a:xfrm>
-            <a:off x="-783770" y="711200"/>
-            <a:ext cx="6614946" cy="4939259"/>
+            <a:off x="-611722" y="545015"/>
+            <a:ext cx="6614946" cy="5526000"/>
           </a:xfrm>
           <a:prstGeom prst="roundRect">
             <a:avLst/>
@@ -3170,7 +3149,7 @@
         </p:nvSpPr>
         <p:spPr>
           <a:xfrm>
-            <a:off x="1526597" y="2211333"/>
+            <a:off x="1169556" y="2459504"/>
             <a:ext cx="3052390" cy="1938992"/>
           </a:xfrm>
           <a:prstGeom prst="rect">
@@ -3185,7 +3164,7 @@
           <a:lstStyle/>
           <a:p>
             <a:r>
-              <a:rPr lang="tr-TR" sz="6000" dirty="0" err="1" smtClean="0">
+              <a:rPr lang="tr-TR" sz="6000" dirty="0" err="1">
                 <a:solidFill>
                   <a:schemeClr val="bg1"/>
                 </a:solidFill>
@@ -3194,7 +3173,7 @@
               <a:t>The</a:t>
             </a:r>
             <a:r>
-              <a:rPr lang="tr-TR" sz="6000" dirty="0" smtClean="0">
+              <a:rPr lang="tr-TR" sz="6000" dirty="0">
                 <a:solidFill>
                   <a:schemeClr val="bg1"/>
                 </a:solidFill>
@@ -3202,7 +3181,7 @@
               <a:t> </a:t>
             </a:r>
             <a:r>
-              <a:rPr lang="tr-TR" sz="6000" dirty="0" err="1" smtClean="0">
+              <a:rPr lang="tr-TR" sz="6000" dirty="0" err="1">
                 <a:solidFill>
                   <a:schemeClr val="bg1"/>
                 </a:solidFill>
@@ -3232,13 +3211,6 @@
   <p:transition spd="med">
     <p:pull dir="r"/>
   </p:transition>
-  <p:timing>
-    <p:tnLst>
-      <p:par>
-        <p:cTn id="1" dur="indefinite" restart="never" nodeType="tmRoot"/>
-      </p:par>
-    </p:tnLst>
-  </p:timing>
 </p:sld>
 </file>
 
@@ -3363,7 +3335,7 @@
               <a:defRPr/>
             </a:pPr>
             <a:r>
-              <a:rPr kumimoji="0" lang="tr-TR" sz="6000" b="0" i="0" u="none" strike="noStrike" kern="1200" cap="none" spc="0" normalizeH="0" baseline="0" noProof="0" dirty="0" err="1" smtClean="0">
+              <a:rPr kumimoji="0" lang="tr-TR" sz="6000" b="0" i="0" u="none" strike="noStrike" kern="1200" cap="none" spc="0" normalizeH="0" baseline="0" noProof="0" dirty="0" err="1">
                 <a:ln>
                   <a:noFill/>
                 </a:ln>
@@ -3380,7 +3352,7 @@
               <a:t>The</a:t>
             </a:r>
             <a:r>
-              <a:rPr kumimoji="0" lang="tr-TR" sz="6000" b="0" i="0" u="none" strike="noStrike" kern="1200" cap="none" spc="0" normalizeH="0" baseline="0" noProof="0" dirty="0" smtClean="0">
+              <a:rPr kumimoji="0" lang="tr-TR" sz="6000" b="0" i="0" u="none" strike="noStrike" kern="1200" cap="none" spc="0" normalizeH="0" baseline="0" noProof="0" dirty="0">
                 <a:ln>
                   <a:noFill/>
                 </a:ln>
@@ -3397,7 +3369,7 @@
               <a:t> </a:t>
             </a:r>
             <a:r>
-              <a:rPr kumimoji="0" lang="tr-TR" sz="6000" b="0" i="0" u="none" strike="noStrike" kern="1200" cap="none" spc="0" normalizeH="0" baseline="0" noProof="0" dirty="0" err="1" smtClean="0">
+              <a:rPr kumimoji="0" lang="tr-TR" sz="6000" b="0" i="0" u="none" strike="noStrike" kern="1200" cap="none" spc="0" normalizeH="0" baseline="0" noProof="0" dirty="0" err="1">
                 <a:ln>
                   <a:noFill/>
                 </a:ln>
@@ -3413,7 +3385,7 @@
               </a:rPr>
               <a:t>Martian</a:t>
             </a:r>
-            <a:endParaRPr kumimoji="0" lang="tr-TR" sz="6000" b="0" i="0" u="none" strike="noStrike" kern="1200" cap="none" spc="0" normalizeH="0" baseline="0" noProof="0" dirty="0" smtClean="0">
+            <a:endParaRPr kumimoji="0" lang="tr-TR" sz="6000" b="0" i="0" u="none" strike="noStrike" kern="1200" cap="none" spc="0" normalizeH="0" baseline="0" noProof="0" dirty="0">
               <a:ln>
                 <a:noFill/>
               </a:ln>
@@ -3485,7 +3457,7 @@
               <a:tabLst/>
               <a:defRPr/>
             </a:pPr>
-            <a:endParaRPr kumimoji="0" lang="tr-TR" sz="1800" b="0" i="0" u="none" strike="noStrike" kern="1200" cap="none" spc="0" normalizeH="0" baseline="0" noProof="0" smtClean="0">
+            <a:endParaRPr kumimoji="0" lang="tr-TR" sz="1800" b="0" i="0" u="none" strike="noStrike" kern="1200" cap="none" spc="0" normalizeH="0" baseline="0" noProof="0">
               <a:ln>
                 <a:noFill/>
               </a:ln>
@@ -3585,26 +3557,9 @@
                 <a:ea typeface="+mn-ea"/>
                 <a:cs typeface="+mn-cs"/>
               </a:rPr>
-              <a:t>The Martian movie is about an astronaut who is left alone on Mars after his team leaves after a storm and is later rescued</a:t>
-            </a:r>
-            <a:r>
-              <a:rPr kumimoji="0" lang="en-US" sz="2500" b="0" i="0" u="none" strike="noStrike" kern="1200" cap="none" spc="0" normalizeH="0" baseline="0" noProof="0" dirty="0" smtClean="0">
-                <a:ln>
-                  <a:noFill/>
-                </a:ln>
-                <a:solidFill>
-                  <a:prstClr val="white"/>
-                </a:solidFill>
-                <a:effectLst/>
-                <a:uLnTx/>
-                <a:uFillTx/>
-                <a:latin typeface="Impact" panose="020B0806030902050204" pitchFamily="34" charset="0"/>
-                <a:ea typeface="+mn-ea"/>
-                <a:cs typeface="+mn-cs"/>
-              </a:rPr>
-              <a:t>.</a:t>
-            </a:r>
-            <a:endParaRPr kumimoji="0" lang="tr-TR" sz="2500" b="0" i="0" u="none" strike="noStrike" kern="1200" cap="none" spc="0" normalizeH="0" baseline="0" noProof="0" dirty="0" smtClean="0">
+              <a:t>The Martian movie is about an astronaut who is left alone on Mars after his team leaves after a storm and is later rescued.</a:t>
+            </a:r>
+            <a:endParaRPr kumimoji="0" lang="tr-TR" sz="2500" b="0" i="0" u="none" strike="noStrike" kern="1200" cap="none" spc="0" normalizeH="0" baseline="0" noProof="0" dirty="0">
               <a:ln>
                 <a:noFill/>
               </a:ln>
@@ -3629,8 +3584,8 @@
         </p:nvSpPr>
         <p:spPr>
           <a:xfrm flipH="1">
-            <a:off x="-30113" y="565995"/>
-            <a:ext cx="15159860" cy="4939259"/>
+            <a:off x="-30113" y="565994"/>
+            <a:ext cx="15159860" cy="5526000"/>
           </a:xfrm>
           <a:prstGeom prst="roundRect">
             <a:avLst/>
@@ -3676,7 +3631,7 @@
               <a:tabLst/>
               <a:defRPr/>
             </a:pPr>
-            <a:endParaRPr kumimoji="0" lang="tr-TR" sz="1800" b="0" i="0" u="none" strike="noStrike" kern="1200" cap="none" spc="0" normalizeH="0" baseline="0" noProof="0" dirty="0" smtClean="0">
+            <a:endParaRPr kumimoji="0" lang="tr-TR" sz="1800" b="0" i="0" u="none" strike="noStrike" kern="1200" cap="none" spc="0" normalizeH="0" baseline="0" noProof="0" dirty="0">
               <a:ln>
                 <a:noFill/>
               </a:ln>
@@ -3695,13 +3650,91 @@
       </p:sp>
       <p:sp>
         <p:nvSpPr>
+          <p:cNvPr id="16" name="Yuvarlatılmış Dikdörtgen 4">
+            <a:extLst>
+              <a:ext uri="{FF2B5EF4-FFF2-40B4-BE49-F238E27FC236}">
+                <a16:creationId xmlns:a16="http://schemas.microsoft.com/office/drawing/2014/main" id="{DF1BD249-9739-7E64-5000-A2CAB8915107}"/>
+              </a:ext>
+            </a:extLst>
+          </p:cNvPr>
+          <p:cNvSpPr/>
+          <p:nvPr/>
+        </p:nvSpPr>
+        <p:spPr>
+          <a:xfrm flipH="1">
+            <a:off x="11787761" y="540654"/>
+            <a:ext cx="1038618" cy="5526000"/>
+          </a:xfrm>
+          <a:prstGeom prst="roundRect">
+            <a:avLst/>
+          </a:prstGeom>
+          <a:solidFill>
+            <a:srgbClr val="125531"/>
+          </a:solidFill>
+        </p:spPr>
+        <p:style>
+          <a:lnRef idx="2">
+            <a:schemeClr val="dk1">
+              <a:shade val="50000"/>
+            </a:schemeClr>
+          </a:lnRef>
+          <a:fillRef idx="1">
+            <a:schemeClr val="dk1"/>
+          </a:fillRef>
+          <a:effectRef idx="0">
+            <a:schemeClr val="dk1"/>
+          </a:effectRef>
+          <a:fontRef idx="minor">
+            <a:schemeClr val="lt1"/>
+          </a:fontRef>
+        </p:style>
+        <p:txBody>
+          <a:bodyPr rtlCol="0" anchor="ctr"/>
+          <a:lstStyle/>
+          <a:p>
+            <a:pPr marL="0" marR="0" lvl="0" indent="0" algn="ctr" defTabSz="914400" rtl="0" eaLnBrk="1" fontAlgn="auto" latinLnBrk="0" hangingPunct="1">
+              <a:lnSpc>
+                <a:spcPct val="100000"/>
+              </a:lnSpc>
+              <a:spcBef>
+                <a:spcPts val="0"/>
+              </a:spcBef>
+              <a:spcAft>
+                <a:spcPts val="0"/>
+              </a:spcAft>
+              <a:buClrTx/>
+              <a:buSzTx/>
+              <a:buFontTx/>
+              <a:buNone/>
+              <a:tabLst/>
+              <a:defRPr/>
+            </a:pPr>
+            <a:endParaRPr kumimoji="0" lang="tr-TR" sz="1800" b="0" i="0" u="none" strike="noStrike" kern="1200" cap="none" spc="0" normalizeH="0" baseline="0" noProof="0" dirty="0">
+              <a:ln>
+                <a:noFill/>
+              </a:ln>
+              <a:solidFill>
+                <a:prstClr val="white"/>
+              </a:solidFill>
+              <a:effectLst/>
+              <a:uLnTx/>
+              <a:uFillTx/>
+              <a:latin typeface="Calibri" panose="020F0502020204030204"/>
+              <a:ea typeface="+mn-ea"/>
+              <a:cs typeface="+mn-cs"/>
+            </a:endParaRPr>
+          </a:p>
+        </p:txBody>
+      </p:sp>
+      <p:sp>
+        <p:nvSpPr>
           <p:cNvPr id="11" name="Metin kutusu 10"/>
           <p:cNvSpPr txBox="1"/>
           <p:nvPr/>
         </p:nvSpPr>
         <p:spPr>
           <a:xfrm>
-            <a:off x="7723268" y="1122125"/>
+            <a:off x="7343768" y="1030878"/>
             <a:ext cx="4468732" cy="3785652"/>
           </a:xfrm>
           <a:prstGeom prst="rect">
@@ -4025,13 +4058,6 @@
   <p:transition spd="med">
     <p:pull dir="r"/>
   </p:transition>
-  <p:timing>
-    <p:tnLst>
-      <p:par>
-        <p:cTn id="1" dur="indefinite" restart="never" nodeType="tmRoot"/>
-      </p:par>
-    </p:tnLst>
-  </p:timing>
 </p:sld>
 </file>
 
@@ -4156,7 +4182,7 @@
               <a:defRPr/>
             </a:pPr>
             <a:r>
-              <a:rPr kumimoji="0" lang="tr-TR" sz="6000" b="0" i="0" u="none" strike="noStrike" kern="1200" cap="none" spc="0" normalizeH="0" baseline="0" noProof="0" dirty="0" err="1" smtClean="0">
+              <a:rPr kumimoji="0" lang="tr-TR" sz="6000" b="0" i="0" u="none" strike="noStrike" kern="1200" cap="none" spc="0" normalizeH="0" baseline="0" noProof="0" dirty="0" err="1">
                 <a:ln>
                   <a:noFill/>
                 </a:ln>
@@ -4173,7 +4199,7 @@
               <a:t>The</a:t>
             </a:r>
             <a:r>
-              <a:rPr kumimoji="0" lang="tr-TR" sz="6000" b="0" i="0" u="none" strike="noStrike" kern="1200" cap="none" spc="0" normalizeH="0" baseline="0" noProof="0" dirty="0" smtClean="0">
+              <a:rPr kumimoji="0" lang="tr-TR" sz="6000" b="0" i="0" u="none" strike="noStrike" kern="1200" cap="none" spc="0" normalizeH="0" baseline="0" noProof="0" dirty="0">
                 <a:ln>
                   <a:noFill/>
                 </a:ln>
@@ -4190,7 +4216,7 @@
               <a:t> </a:t>
             </a:r>
             <a:r>
-              <a:rPr kumimoji="0" lang="tr-TR" sz="6000" b="0" i="0" u="none" strike="noStrike" kern="1200" cap="none" spc="0" normalizeH="0" baseline="0" noProof="0" dirty="0" err="1" smtClean="0">
+              <a:rPr kumimoji="0" lang="tr-TR" sz="6000" b="0" i="0" u="none" strike="noStrike" kern="1200" cap="none" spc="0" normalizeH="0" baseline="0" noProof="0" dirty="0" err="1">
                 <a:ln>
                   <a:noFill/>
                 </a:ln>
@@ -4206,7 +4232,7 @@
               </a:rPr>
               <a:t>Martian</a:t>
             </a:r>
-            <a:endParaRPr kumimoji="0" lang="tr-TR" sz="6000" b="0" i="0" u="none" strike="noStrike" kern="1200" cap="none" spc="0" normalizeH="0" baseline="0" noProof="0" dirty="0" smtClean="0">
+            <a:endParaRPr kumimoji="0" lang="tr-TR" sz="6000" b="0" i="0" u="none" strike="noStrike" kern="1200" cap="none" spc="0" normalizeH="0" baseline="0" noProof="0" dirty="0">
               <a:ln>
                 <a:noFill/>
               </a:ln>
@@ -4278,7 +4304,7 @@
               <a:tabLst/>
               <a:defRPr/>
             </a:pPr>
-            <a:endParaRPr kumimoji="0" lang="tr-TR" sz="1800" b="0" i="0" u="none" strike="noStrike" kern="1200" cap="none" spc="0" normalizeH="0" baseline="0" noProof="0" smtClean="0">
+            <a:endParaRPr kumimoji="0" lang="tr-TR" sz="1800" b="0" i="0" u="none" strike="noStrike" kern="1200" cap="none" spc="0" normalizeH="0" baseline="0" noProof="0">
               <a:ln>
                 <a:noFill/>
               </a:ln>
@@ -4378,26 +4404,9 @@
                 <a:ea typeface="+mn-ea"/>
                 <a:cs typeface="+mn-cs"/>
               </a:rPr>
-              <a:t>The Martian movie is about an astronaut who is left alone on Mars after his team leaves after a storm and is later rescued</a:t>
-            </a:r>
-            <a:r>
-              <a:rPr kumimoji="0" lang="en-US" sz="2500" b="0" i="0" u="none" strike="noStrike" kern="1200" cap="none" spc="0" normalizeH="0" baseline="0" noProof="0" dirty="0" smtClean="0">
-                <a:ln>
-                  <a:noFill/>
-                </a:ln>
-                <a:solidFill>
-                  <a:prstClr val="white"/>
-                </a:solidFill>
-                <a:effectLst/>
-                <a:uLnTx/>
-                <a:uFillTx/>
-                <a:latin typeface="Impact" panose="020B0806030902050204" pitchFamily="34" charset="0"/>
-                <a:ea typeface="+mn-ea"/>
-                <a:cs typeface="+mn-cs"/>
-              </a:rPr>
-              <a:t>.</a:t>
-            </a:r>
-            <a:endParaRPr kumimoji="0" lang="tr-TR" sz="2500" b="0" i="0" u="none" strike="noStrike" kern="1200" cap="none" spc="0" normalizeH="0" baseline="0" noProof="0" dirty="0" smtClean="0">
+              <a:t>The Martian movie is about an astronaut who is left alone on Mars after his team leaves after a storm and is later rescued.</a:t>
+            </a:r>
+            <a:endParaRPr kumimoji="0" lang="tr-TR" sz="2500" b="0" i="0" u="none" strike="noStrike" kern="1200" cap="none" spc="0" normalizeH="0" baseline="0" noProof="0" dirty="0">
               <a:ln>
                 <a:noFill/>
               </a:ln>
@@ -4423,7 +4432,7 @@
         <p:spPr>
           <a:xfrm flipH="1">
             <a:off x="-30113" y="565995"/>
-            <a:ext cx="15159860" cy="4939259"/>
+            <a:ext cx="15159860" cy="5526000"/>
           </a:xfrm>
           <a:prstGeom prst="roundRect">
             <a:avLst/>
@@ -4469,7 +4478,7 @@
               <a:tabLst/>
               <a:defRPr/>
             </a:pPr>
-            <a:endParaRPr kumimoji="0" lang="tr-TR" sz="1800" b="0" i="0" u="none" strike="noStrike" kern="1200" cap="none" spc="0" normalizeH="0" baseline="0" noProof="0" dirty="0" smtClean="0">
+            <a:endParaRPr kumimoji="0" lang="tr-TR" sz="1800" b="0" i="0" u="none" strike="noStrike" kern="1200" cap="none" spc="0" normalizeH="0" baseline="0" noProof="0" dirty="0">
               <a:ln>
                 <a:noFill/>
               </a:ln>
@@ -4526,7 +4535,7 @@
               <a:defRPr/>
             </a:pPr>
             <a:r>
-              <a:rPr kumimoji="0" lang="tr-TR" sz="6000" b="0" i="0" u="none" strike="noStrike" kern="1200" cap="none" spc="0" normalizeH="0" baseline="0" noProof="0" dirty="0" err="1" smtClean="0">
+              <a:rPr kumimoji="0" lang="tr-TR" sz="6000" b="0" i="0" u="none" strike="noStrike" kern="1200" cap="none" spc="0" normalizeH="0" baseline="0" noProof="0" dirty="0" err="1">
                 <a:ln>
                   <a:noFill/>
                 </a:ln>
@@ -4541,7 +4550,7 @@
               <a:t>Extra</a:t>
             </a:r>
             <a:r>
-              <a:rPr kumimoji="0" lang="tr-TR" sz="6000" b="0" i="0" u="none" strike="noStrike" kern="1200" cap="none" spc="0" normalizeH="0" baseline="0" noProof="0" dirty="0" smtClean="0">
+              <a:rPr kumimoji="0" lang="tr-TR" sz="6000" b="0" i="0" u="none" strike="noStrike" kern="1200" cap="none" spc="0" normalizeH="0" baseline="0" noProof="0" dirty="0">
                 <a:ln>
                   <a:noFill/>
                 </a:ln>
@@ -4565,7 +4574,7 @@
               <a:t>I</a:t>
             </a:r>
             <a:r>
-              <a:rPr kumimoji="0" lang="tr-TR" sz="6000" b="0" i="0" u="none" strike="noStrike" kern="1200" cap="none" spc="0" normalizeH="0" baseline="0" noProof="0" dirty="0" err="1" smtClean="0">
+              <a:rPr kumimoji="0" lang="tr-TR" sz="6000" b="0" i="0" u="none" strike="noStrike" kern="1200" cap="none" spc="0" normalizeH="0" baseline="0" noProof="0" dirty="0" err="1">
                 <a:ln>
                   <a:noFill/>
                 </a:ln>
@@ -4634,6 +4643,84 @@
                 <a:schemeClr val="bg1"/>
               </a:solidFill>
               <a:latin typeface="Impact" panose="020B0806030902050204" pitchFamily="34" charset="0"/>
+            </a:endParaRPr>
+          </a:p>
+        </p:txBody>
+      </p:sp>
+      <p:sp>
+        <p:nvSpPr>
+          <p:cNvPr id="12" name="Yuvarlatılmış Dikdörtgen 4">
+            <a:extLst>
+              <a:ext uri="{FF2B5EF4-FFF2-40B4-BE49-F238E27FC236}">
+                <a16:creationId xmlns:a16="http://schemas.microsoft.com/office/drawing/2014/main" id="{1AE8D7EA-C96D-E970-3292-E0696A5E33F5}"/>
+              </a:ext>
+            </a:extLst>
+          </p:cNvPr>
+          <p:cNvSpPr/>
+          <p:nvPr/>
+        </p:nvSpPr>
+        <p:spPr>
+          <a:xfrm flipH="1">
+            <a:off x="11787761" y="540654"/>
+            <a:ext cx="1038618" cy="5526000"/>
+          </a:xfrm>
+          <a:prstGeom prst="roundRect">
+            <a:avLst/>
+          </a:prstGeom>
+          <a:solidFill>
+            <a:srgbClr val="125531"/>
+          </a:solidFill>
+        </p:spPr>
+        <p:style>
+          <a:lnRef idx="2">
+            <a:schemeClr val="dk1">
+              <a:shade val="50000"/>
+            </a:schemeClr>
+          </a:lnRef>
+          <a:fillRef idx="1">
+            <a:schemeClr val="dk1"/>
+          </a:fillRef>
+          <a:effectRef idx="0">
+            <a:schemeClr val="dk1"/>
+          </a:effectRef>
+          <a:fontRef idx="minor">
+            <a:schemeClr val="lt1"/>
+          </a:fontRef>
+        </p:style>
+        <p:txBody>
+          <a:bodyPr rtlCol="0" anchor="ctr"/>
+          <a:lstStyle/>
+          <a:p>
+            <a:pPr marL="0" marR="0" lvl="0" indent="0" algn="ctr" defTabSz="914400" rtl="0" eaLnBrk="1" fontAlgn="auto" latinLnBrk="0" hangingPunct="1">
+              <a:lnSpc>
+                <a:spcPct val="100000"/>
+              </a:lnSpc>
+              <a:spcBef>
+                <a:spcPts val="0"/>
+              </a:spcBef>
+              <a:spcAft>
+                <a:spcPts val="0"/>
+              </a:spcAft>
+              <a:buClrTx/>
+              <a:buSzTx/>
+              <a:buFontTx/>
+              <a:buNone/>
+              <a:tabLst/>
+              <a:defRPr/>
+            </a:pPr>
+            <a:endParaRPr kumimoji="0" lang="tr-TR" sz="1800" b="0" i="0" u="none" strike="noStrike" kern="1200" cap="none" spc="0" normalizeH="0" baseline="0" noProof="0" dirty="0">
+              <a:ln>
+                <a:noFill/>
+              </a:ln>
+              <a:solidFill>
+                <a:prstClr val="white"/>
+              </a:solidFill>
+              <a:effectLst/>
+              <a:uLnTx/>
+              <a:uFillTx/>
+              <a:latin typeface="Calibri" panose="020F0502020204030204"/>
+              <a:ea typeface="+mn-ea"/>
+              <a:cs typeface="+mn-cs"/>
             </a:endParaRPr>
           </a:p>
         </p:txBody>
@@ -4651,13 +4738,6 @@
   <p:transition spd="med">
     <p:pull dir="r"/>
   </p:transition>
-  <p:timing>
-    <p:tnLst>
-      <p:par>
-        <p:cTn id="1" dur="indefinite" restart="never" nodeType="tmRoot"/>
-      </p:par>
-    </p:tnLst>
-  </p:timing>
 </p:sld>
 </file>
 
@@ -4782,7 +4862,7 @@
               <a:defRPr/>
             </a:pPr>
             <a:r>
-              <a:rPr kumimoji="0" lang="tr-TR" sz="6000" b="0" i="0" u="none" strike="noStrike" kern="1200" cap="none" spc="0" normalizeH="0" baseline="0" noProof="0" dirty="0" err="1" smtClean="0">
+              <a:rPr kumimoji="0" lang="tr-TR" sz="6000" b="0" i="0" u="none" strike="noStrike" kern="1200" cap="none" spc="0" normalizeH="0" baseline="0" noProof="0" dirty="0" err="1">
                 <a:ln>
                   <a:noFill/>
                 </a:ln>
@@ -4799,7 +4879,7 @@
               <a:t>The</a:t>
             </a:r>
             <a:r>
-              <a:rPr kumimoji="0" lang="tr-TR" sz="6000" b="0" i="0" u="none" strike="noStrike" kern="1200" cap="none" spc="0" normalizeH="0" baseline="0" noProof="0" dirty="0" smtClean="0">
+              <a:rPr kumimoji="0" lang="tr-TR" sz="6000" b="0" i="0" u="none" strike="noStrike" kern="1200" cap="none" spc="0" normalizeH="0" baseline="0" noProof="0" dirty="0">
                 <a:ln>
                   <a:noFill/>
                 </a:ln>
@@ -4816,7 +4896,7 @@
               <a:t> </a:t>
             </a:r>
             <a:r>
-              <a:rPr kumimoji="0" lang="tr-TR" sz="6000" b="0" i="0" u="none" strike="noStrike" kern="1200" cap="none" spc="0" normalizeH="0" baseline="0" noProof="0" dirty="0" err="1" smtClean="0">
+              <a:rPr kumimoji="0" lang="tr-TR" sz="6000" b="0" i="0" u="none" strike="noStrike" kern="1200" cap="none" spc="0" normalizeH="0" baseline="0" noProof="0" dirty="0" err="1">
                 <a:ln>
                   <a:noFill/>
                 </a:ln>
@@ -4832,7 +4912,7 @@
               </a:rPr>
               <a:t>Martian</a:t>
             </a:r>
-            <a:endParaRPr kumimoji="0" lang="tr-TR" sz="6000" b="0" i="0" u="none" strike="noStrike" kern="1200" cap="none" spc="0" normalizeH="0" baseline="0" noProof="0" dirty="0" smtClean="0">
+            <a:endParaRPr kumimoji="0" lang="tr-TR" sz="6000" b="0" i="0" u="none" strike="noStrike" kern="1200" cap="none" spc="0" normalizeH="0" baseline="0" noProof="0" dirty="0">
               <a:ln>
                 <a:noFill/>
               </a:ln>
@@ -4904,7 +4984,7 @@
               <a:tabLst/>
               <a:defRPr/>
             </a:pPr>
-            <a:endParaRPr kumimoji="0" lang="tr-TR" sz="1800" b="0" i="0" u="none" strike="noStrike" kern="1200" cap="none" spc="0" normalizeH="0" baseline="0" noProof="0" smtClean="0">
+            <a:endParaRPr kumimoji="0" lang="tr-TR" sz="1800" b="0" i="0" u="none" strike="noStrike" kern="1200" cap="none" spc="0" normalizeH="0" baseline="0" noProof="0">
               <a:ln>
                 <a:noFill/>
               </a:ln>
@@ -5004,26 +5084,9 @@
                 <a:ea typeface="+mn-ea"/>
                 <a:cs typeface="+mn-cs"/>
               </a:rPr>
-              <a:t>The Martian movie is about an astronaut who is left alone on Mars after his team leaves after a storm and is later rescued</a:t>
-            </a:r>
-            <a:r>
-              <a:rPr kumimoji="0" lang="en-US" sz="2500" b="0" i="0" u="none" strike="noStrike" kern="1200" cap="none" spc="0" normalizeH="0" baseline="0" noProof="0" dirty="0" smtClean="0">
-                <a:ln>
-                  <a:noFill/>
-                </a:ln>
-                <a:solidFill>
-                  <a:prstClr val="white"/>
-                </a:solidFill>
-                <a:effectLst/>
-                <a:uLnTx/>
-                <a:uFillTx/>
-                <a:latin typeface="Impact" panose="020B0806030902050204" pitchFamily="34" charset="0"/>
-                <a:ea typeface="+mn-ea"/>
-                <a:cs typeface="+mn-cs"/>
-              </a:rPr>
-              <a:t>.</a:t>
-            </a:r>
-            <a:endParaRPr kumimoji="0" lang="tr-TR" sz="2500" b="0" i="0" u="none" strike="noStrike" kern="1200" cap="none" spc="0" normalizeH="0" baseline="0" noProof="0" dirty="0" smtClean="0">
+              <a:t>The Martian movie is about an astronaut who is left alone on Mars after his team leaves after a storm and is later rescued.</a:t>
+            </a:r>
+            <a:endParaRPr kumimoji="0" lang="tr-TR" sz="2500" b="0" i="0" u="none" strike="noStrike" kern="1200" cap="none" spc="0" normalizeH="0" baseline="0" noProof="0" dirty="0">
               <a:ln>
                 <a:noFill/>
               </a:ln>
@@ -5048,8 +5111,8 @@
         </p:nvSpPr>
         <p:spPr>
           <a:xfrm flipH="1">
-            <a:off x="-30113" y="565995"/>
-            <a:ext cx="15159860" cy="4939259"/>
+            <a:off x="-30113" y="565994"/>
+            <a:ext cx="15159860" cy="5526000"/>
           </a:xfrm>
           <a:prstGeom prst="roundRect">
             <a:avLst/>
@@ -5095,7 +5158,7 @@
               <a:tabLst/>
               <a:defRPr/>
             </a:pPr>
-            <a:endParaRPr kumimoji="0" lang="tr-TR" sz="1800" b="0" i="0" u="none" strike="noStrike" kern="1200" cap="none" spc="0" normalizeH="0" baseline="0" noProof="0" dirty="0" smtClean="0">
+            <a:endParaRPr kumimoji="0" lang="tr-TR" sz="1800" b="0" i="0" u="none" strike="noStrike" kern="1200" cap="none" spc="0" normalizeH="0" baseline="0" noProof="0" dirty="0">
               <a:ln>
                 <a:noFill/>
               </a:ln>
@@ -5139,7 +5202,7 @@
               <a:buAutoNum type="arabicPeriod"/>
             </a:pPr>
             <a:r>
-              <a:rPr lang="tr-TR" sz="100" dirty="0" smtClean="0">
+              <a:rPr lang="tr-TR" sz="100" dirty="0">
                 <a:solidFill>
                   <a:schemeClr val="bg1"/>
                 </a:solidFill>
@@ -5154,22 +5217,13 @@
               <a:buAutoNum type="arabicPeriod"/>
             </a:pPr>
             <a:r>
-              <a:rPr lang="en-US" sz="2600" dirty="0" smtClean="0">
-                <a:solidFill>
-                  <a:schemeClr val="bg1"/>
-                </a:solidFill>
-                <a:latin typeface="Impact" panose="020B0806030902050204" pitchFamily="34" charset="0"/>
-              </a:rPr>
-              <a:t>In </a:t>
-            </a:r>
-            <a:r>
               <a:rPr lang="en-US" sz="2600" dirty="0">
                 <a:solidFill>
                   <a:schemeClr val="bg1"/>
                 </a:solidFill>
                 <a:latin typeface="Impact" panose="020B0806030902050204" pitchFamily="34" charset="0"/>
               </a:rPr>
-              <a:t>the first scenes of the rescue sequence at the end of the movie, it is seen that the character 'Mark </a:t>
+              <a:t>In the first scenes of the rescue sequence at the end of the movie, it is seen that the character 'Mark </a:t>
             </a:r>
             <a:r>
               <a:rPr lang="en-US" sz="2600" dirty="0" err="1">
@@ -5209,14 +5263,31 @@
         </p:nvSpPr>
         <p:spPr>
           <a:xfrm>
-            <a:off x="593667" y="4687991"/>
-            <a:ext cx="1349114" cy="369332"/>
+            <a:off x="9521184" y="4741968"/>
+            <a:ext cx="2341643" cy="584775"/>
           </a:xfrm>
           <a:prstGeom prst="rect">
             <a:avLst/>
           </a:prstGeom>
           <a:noFill/>
-        </p:spPr>
+          <a:ln>
+            <a:noFill/>
+          </a:ln>
+        </p:spPr>
+        <p:style>
+          <a:lnRef idx="0">
+            <a:scrgbClr r="0" g="0" b="0"/>
+          </a:lnRef>
+          <a:fillRef idx="0">
+            <a:scrgbClr r="0" g="0" b="0"/>
+          </a:fillRef>
+          <a:effectRef idx="0">
+            <a:scrgbClr r="0" g="0" b="0"/>
+          </a:effectRef>
+          <a:fontRef idx="minor">
+            <a:schemeClr val="lt1"/>
+          </a:fontRef>
+        </p:style>
         <p:txBody>
           <a:bodyPr wrap="square" rtlCol="0">
             <a:spAutoFit/>
@@ -5224,12 +5295,25 @@
           <a:lstStyle/>
           <a:p>
             <a:r>
-              <a:rPr lang="tr-TR" dirty="0" smtClean="0">
-                <a:hlinkClick r:id="rId3"/>
+              <a:rPr lang="tr-TR" sz="3200" dirty="0" err="1">
+                <a:solidFill>
+                  <a:srgbClr val="E6E6E6"/>
+                </a:solidFill>
+                <a:hlinkClick r:id="rId3">
+                  <a:extLst>
+                    <a:ext uri="{A12FA001-AC4F-418D-AE19-62706E023703}">
+                      <ahyp:hlinkClr xmlns:ahyp="http://schemas.microsoft.com/office/drawing/2018/hyperlinkcolor" val="tx"/>
+                    </a:ext>
+                  </a:extLst>
+                </a:hlinkClick>
               </a:rPr>
-              <a:t>link</a:t>
-            </a:r>
-            <a:endParaRPr lang="tr-TR" dirty="0"/>
+              <a:t>Video_link</a:t>
+            </a:r>
+            <a:endParaRPr lang="tr-TR" sz="3200" dirty="0">
+              <a:solidFill>
+                <a:srgbClr val="E6E6E6"/>
+              </a:solidFill>
+            </a:endParaRPr>
           </a:p>
         </p:txBody>
       </p:sp>
@@ -5279,6 +5363,84 @@
           </a:p>
         </p:txBody>
       </p:sp>
+      <p:sp>
+        <p:nvSpPr>
+          <p:cNvPr id="10" name="Yuvarlatılmış Dikdörtgen 4">
+            <a:extLst>
+              <a:ext uri="{FF2B5EF4-FFF2-40B4-BE49-F238E27FC236}">
+                <a16:creationId xmlns:a16="http://schemas.microsoft.com/office/drawing/2014/main" id="{573B3C62-DC35-1E31-98FB-22DC7E8A8DD5}"/>
+              </a:ext>
+            </a:extLst>
+          </p:cNvPr>
+          <p:cNvSpPr/>
+          <p:nvPr/>
+        </p:nvSpPr>
+        <p:spPr>
+          <a:xfrm flipH="1">
+            <a:off x="11787761" y="540654"/>
+            <a:ext cx="1038618" cy="5526000"/>
+          </a:xfrm>
+          <a:prstGeom prst="roundRect">
+            <a:avLst/>
+          </a:prstGeom>
+          <a:solidFill>
+            <a:srgbClr val="125531"/>
+          </a:solidFill>
+        </p:spPr>
+        <p:style>
+          <a:lnRef idx="2">
+            <a:schemeClr val="dk1">
+              <a:shade val="50000"/>
+            </a:schemeClr>
+          </a:lnRef>
+          <a:fillRef idx="1">
+            <a:schemeClr val="dk1"/>
+          </a:fillRef>
+          <a:effectRef idx="0">
+            <a:schemeClr val="dk1"/>
+          </a:effectRef>
+          <a:fontRef idx="minor">
+            <a:schemeClr val="lt1"/>
+          </a:fontRef>
+        </p:style>
+        <p:txBody>
+          <a:bodyPr rtlCol="0" anchor="ctr"/>
+          <a:lstStyle/>
+          <a:p>
+            <a:pPr marL="0" marR="0" lvl="0" indent="0" algn="ctr" defTabSz="914400" rtl="0" eaLnBrk="1" fontAlgn="auto" latinLnBrk="0" hangingPunct="1">
+              <a:lnSpc>
+                <a:spcPct val="100000"/>
+              </a:lnSpc>
+              <a:spcBef>
+                <a:spcPts val="0"/>
+              </a:spcBef>
+              <a:spcAft>
+                <a:spcPts val="0"/>
+              </a:spcAft>
+              <a:buClrTx/>
+              <a:buSzTx/>
+              <a:buFontTx/>
+              <a:buNone/>
+              <a:tabLst/>
+              <a:defRPr/>
+            </a:pPr>
+            <a:endParaRPr kumimoji="0" lang="tr-TR" sz="1800" b="0" i="0" u="none" strike="noStrike" kern="1200" cap="none" spc="0" normalizeH="0" baseline="0" noProof="0" dirty="0">
+              <a:ln>
+                <a:noFill/>
+              </a:ln>
+              <a:solidFill>
+                <a:prstClr val="white"/>
+              </a:solidFill>
+              <a:effectLst/>
+              <a:uLnTx/>
+              <a:uFillTx/>
+              <a:latin typeface="Calibri" panose="020F0502020204030204"/>
+              <a:ea typeface="+mn-ea"/>
+              <a:cs typeface="+mn-cs"/>
+            </a:endParaRPr>
+          </a:p>
+        </p:txBody>
+      </p:sp>
     </p:spTree>
     <p:extLst>
       <p:ext uri="{BB962C8B-B14F-4D97-AF65-F5344CB8AC3E}">
@@ -5292,13 +5454,6 @@
   <p:transition spd="med">
     <p:pull dir="r"/>
   </p:transition>
-  <p:timing>
-    <p:tnLst>
-      <p:par>
-        <p:cTn id="1" dur="indefinite" restart="never" nodeType="tmRoot"/>
-      </p:par>
-    </p:tnLst>
-  </p:timing>
 </p:sld>
 </file>
 
@@ -5391,8 +5546,8 @@
         </p:nvSpPr>
         <p:spPr>
           <a:xfrm flipH="1">
-            <a:off x="11732825" y="565995"/>
-            <a:ext cx="3396922" cy="4939259"/>
+            <a:off x="11732825" y="565994"/>
+            <a:ext cx="3396922" cy="5526000"/>
           </a:xfrm>
           <a:prstGeom prst="roundRect">
             <a:avLst/>
@@ -5438,7 +5593,7 @@
               <a:tabLst/>
               <a:defRPr/>
             </a:pPr>
-            <a:endParaRPr kumimoji="0" lang="tr-TR" sz="1800" b="0" i="0" u="none" strike="noStrike" kern="1200" cap="none" spc="0" normalizeH="0" baseline="0" noProof="0" dirty="0" smtClean="0">
+            <a:endParaRPr kumimoji="0" lang="tr-TR" sz="1800" b="0" i="0" u="none" strike="noStrike" kern="1200" cap="none" spc="0" normalizeH="0" baseline="0" noProof="0" dirty="0">
               <a:ln>
                 <a:noFill/>
               </a:ln>
@@ -5478,13 +5633,13 @@
           <a:lstStyle/>
           <a:p>
             <a:r>
-              <a:rPr lang="tr-TR" dirty="0" smtClean="0">
+              <a:rPr lang="tr-TR" dirty="0">
                 <a:latin typeface="Baskerville Old Face" panose="02020602080505020303" pitchFamily="18" charset="0"/>
               </a:rPr>
               <a:t> </a:t>
             </a:r>
             <a:r>
-              <a:rPr lang="tr-TR" sz="6000" dirty="0" err="1" smtClean="0">
+              <a:rPr lang="tr-TR" sz="6000" dirty="0" err="1">
                 <a:solidFill>
                   <a:schemeClr val="bg1"/>
                 </a:solidFill>
@@ -5493,7 +5648,7 @@
               <a:t>Thanks</a:t>
             </a:r>
             <a:r>
-              <a:rPr lang="tr-TR" sz="6000" dirty="0" smtClean="0">
+              <a:rPr lang="tr-TR" sz="6000" dirty="0">
                 <a:solidFill>
                   <a:schemeClr val="bg1"/>
                 </a:solidFill>
@@ -5502,7 +5657,7 @@
               <a:t> </a:t>
             </a:r>
             <a:r>
-              <a:rPr lang="tr-TR" sz="6000" dirty="0" err="1" smtClean="0">
+              <a:rPr lang="tr-TR" sz="6000" dirty="0" err="1">
                 <a:solidFill>
                   <a:schemeClr val="bg1"/>
                 </a:solidFill>
@@ -5511,7 +5666,7 @@
               <a:t>for</a:t>
             </a:r>
             <a:r>
-              <a:rPr lang="tr-TR" sz="6000" dirty="0" smtClean="0">
+              <a:rPr lang="tr-TR" sz="6000" dirty="0">
                 <a:solidFill>
                   <a:schemeClr val="bg1"/>
                 </a:solidFill>
@@ -5520,7 +5675,7 @@
               <a:t> </a:t>
             </a:r>
             <a:r>
-              <a:rPr lang="tr-TR" sz="6000" dirty="0" err="1" smtClean="0">
+              <a:rPr lang="tr-TR" sz="6000" dirty="0" err="1">
                 <a:solidFill>
                   <a:schemeClr val="bg1"/>
                 </a:solidFill>
@@ -5529,7 +5684,7 @@
               <a:t>listening</a:t>
             </a:r>
             <a:r>
-              <a:rPr lang="tr-TR" sz="6000" dirty="0" smtClean="0">
+              <a:rPr lang="tr-TR" sz="6000" dirty="0">
                 <a:solidFill>
                   <a:schemeClr val="bg1"/>
                 </a:solidFill>
@@ -5598,13 +5753,6 @@
   <p:transition spd="med">
     <p:pull dir="r"/>
   </p:transition>
-  <p:timing>
-    <p:tnLst>
-      <p:par>
-        <p:cTn id="1" dur="indefinite" restart="never" nodeType="tmRoot"/>
-      </p:par>
-    </p:tnLst>
-  </p:timing>
 </p:sld>
 </file>
 
@@ -5744,7 +5892,7 @@
               <a:tabLst/>
               <a:defRPr/>
             </a:pPr>
-            <a:endParaRPr kumimoji="0" lang="tr-TR" sz="1800" b="0" i="0" u="none" strike="noStrike" kern="1200" cap="none" spc="0" normalizeH="0" baseline="0" noProof="0" dirty="0" smtClean="0">
+            <a:endParaRPr kumimoji="0" lang="tr-TR" sz="1800" b="0" i="0" u="none" strike="noStrike" kern="1200" cap="none" spc="0" normalizeH="0" baseline="0" noProof="0" dirty="0">
               <a:ln>
                 <a:noFill/>
               </a:ln>
@@ -5801,7 +5949,7 @@
               <a:defRPr/>
             </a:pPr>
             <a:r>
-              <a:rPr kumimoji="0" lang="tr-TR" sz="6000" b="0" i="0" u="none" strike="noStrike" kern="1200" cap="none" spc="0" normalizeH="0" baseline="0" noProof="0" dirty="0" err="1" smtClean="0">
+              <a:rPr kumimoji="0" lang="tr-TR" sz="6000" b="0" i="0" u="none" strike="noStrike" kern="1200" cap="none" spc="0" normalizeH="0" baseline="0" noProof="0" dirty="0" err="1">
                 <a:ln>
                   <a:noFill/>
                 </a:ln>
@@ -5818,7 +5966,7 @@
               <a:t>The</a:t>
             </a:r>
             <a:r>
-              <a:rPr kumimoji="0" lang="tr-TR" sz="6000" b="0" i="0" u="none" strike="noStrike" kern="1200" cap="none" spc="0" normalizeH="0" baseline="0" noProof="0" dirty="0" smtClean="0">
+              <a:rPr kumimoji="0" lang="tr-TR" sz="6000" b="0" i="0" u="none" strike="noStrike" kern="1200" cap="none" spc="0" normalizeH="0" baseline="0" noProof="0" dirty="0">
                 <a:ln>
                   <a:noFill/>
                 </a:ln>
@@ -5835,7 +5983,7 @@
               <a:t> </a:t>
             </a:r>
             <a:r>
-              <a:rPr kumimoji="0" lang="tr-TR" sz="6000" b="0" i="0" u="none" strike="noStrike" kern="1200" cap="none" spc="0" normalizeH="0" baseline="0" noProof="0" dirty="0" err="1" smtClean="0">
+              <a:rPr kumimoji="0" lang="tr-TR" sz="6000" b="0" i="0" u="none" strike="noStrike" kern="1200" cap="none" spc="0" normalizeH="0" baseline="0" noProof="0" dirty="0" err="1">
                 <a:ln>
                   <a:noFill/>
                 </a:ln>
@@ -5851,7 +5999,7 @@
               </a:rPr>
               <a:t>Martian</a:t>
             </a:r>
-            <a:endParaRPr kumimoji="0" lang="tr-TR" sz="6000" b="0" i="0" u="none" strike="noStrike" kern="1200" cap="none" spc="0" normalizeH="0" baseline="0" noProof="0" dirty="0" smtClean="0">
+            <a:endParaRPr kumimoji="0" lang="tr-TR" sz="6000" b="0" i="0" u="none" strike="noStrike" kern="1200" cap="none" spc="0" normalizeH="0" baseline="0" noProof="0" dirty="0">
               <a:ln>
                 <a:noFill/>
               </a:ln>
@@ -5953,13 +6101,6 @@
   <p:transition spd="med">
     <p:pull dir="r"/>
   </p:transition>
-  <p:timing>
-    <p:tnLst>
-      <p:par>
-        <p:cTn id="1" dur="indefinite" restart="never" nodeType="tmRoot"/>
-      </p:par>
-    </p:tnLst>
-  </p:timing>
 </p:sld>
 </file>
 
@@ -6043,7 +6184,7 @@
               <a:tabLst/>
               <a:defRPr/>
             </a:pPr>
-            <a:endParaRPr kumimoji="0" lang="tr-TR" sz="1800" b="0" i="0" u="none" strike="noStrike" kern="1200" cap="none" spc="0" normalizeH="0" baseline="0" noProof="0" dirty="0" smtClean="0">
+            <a:endParaRPr kumimoji="0" lang="tr-TR" sz="1800" b="0" i="0" u="none" strike="noStrike" kern="1200" cap="none" spc="0" normalizeH="0" baseline="0" noProof="0" dirty="0">
               <a:ln>
                 <a:noFill/>
               </a:ln>
@@ -6171,7 +6312,7 @@
               <a:tabLst/>
               <a:defRPr/>
             </a:pPr>
-            <a:endParaRPr kumimoji="0" lang="tr-TR" sz="1800" b="0" i="0" u="none" strike="noStrike" kern="1200" cap="none" spc="0" normalizeH="0" baseline="0" noProof="0" dirty="0" smtClean="0">
+            <a:endParaRPr kumimoji="0" lang="tr-TR" sz="1800" b="0" i="0" u="none" strike="noStrike" kern="1200" cap="none" spc="0" normalizeH="0" baseline="0" noProof="0" dirty="0">
               <a:ln>
                 <a:noFill/>
               </a:ln>
@@ -6228,7 +6369,7 @@
               <a:defRPr/>
             </a:pPr>
             <a:r>
-              <a:rPr kumimoji="0" lang="tr-TR" sz="6000" b="0" i="0" u="none" strike="noStrike" kern="1200" cap="none" spc="0" normalizeH="0" baseline="0" noProof="0" dirty="0" err="1" smtClean="0">
+              <a:rPr kumimoji="0" lang="tr-TR" sz="6000" b="0" i="0" u="none" strike="noStrike" kern="1200" cap="none" spc="0" normalizeH="0" baseline="0" noProof="0" dirty="0" err="1">
                 <a:ln>
                   <a:noFill/>
                 </a:ln>
@@ -6245,7 +6386,7 @@
               <a:t>The</a:t>
             </a:r>
             <a:r>
-              <a:rPr kumimoji="0" lang="tr-TR" sz="6000" b="0" i="0" u="none" strike="noStrike" kern="1200" cap="none" spc="0" normalizeH="0" baseline="0" noProof="0" dirty="0" smtClean="0">
+              <a:rPr kumimoji="0" lang="tr-TR" sz="6000" b="0" i="0" u="none" strike="noStrike" kern="1200" cap="none" spc="0" normalizeH="0" baseline="0" noProof="0" dirty="0">
                 <a:ln>
                   <a:noFill/>
                 </a:ln>
@@ -6262,7 +6403,7 @@
               <a:t> </a:t>
             </a:r>
             <a:r>
-              <a:rPr kumimoji="0" lang="tr-TR" sz="6000" b="0" i="0" u="none" strike="noStrike" kern="1200" cap="none" spc="0" normalizeH="0" baseline="0" noProof="0" dirty="0" err="1" smtClean="0">
+              <a:rPr kumimoji="0" lang="tr-TR" sz="6000" b="0" i="0" u="none" strike="noStrike" kern="1200" cap="none" spc="0" normalizeH="0" baseline="0" noProof="0" dirty="0" err="1">
                 <a:ln>
                   <a:noFill/>
                 </a:ln>
@@ -6278,7 +6419,7 @@
               </a:rPr>
               <a:t>Martian</a:t>
             </a:r>
-            <a:endParaRPr kumimoji="0" lang="tr-TR" sz="6000" b="0" i="0" u="none" strike="noStrike" kern="1200" cap="none" spc="0" normalizeH="0" baseline="0" noProof="0" dirty="0" smtClean="0">
+            <a:endParaRPr kumimoji="0" lang="tr-TR" sz="6000" b="0" i="0" u="none" strike="noStrike" kern="1200" cap="none" spc="0" normalizeH="0" baseline="0" noProof="0" dirty="0">
               <a:ln>
                 <a:noFill/>
               </a:ln>
@@ -6350,7 +6491,7 @@
               <a:tabLst/>
               <a:defRPr/>
             </a:pPr>
-            <a:endParaRPr kumimoji="0" lang="tr-TR" sz="1800" b="0" i="0" u="none" strike="noStrike" kern="1200" cap="none" spc="0" normalizeH="0" baseline="0" noProof="0" smtClean="0">
+            <a:endParaRPr kumimoji="0" lang="tr-TR" sz="1800" b="0" i="0" u="none" strike="noStrike" kern="1200" cap="none" spc="0" normalizeH="0" baseline="0" noProof="0">
               <a:ln>
                 <a:noFill/>
               </a:ln>
@@ -6464,7 +6605,7 @@
               <a:t>The Martian </a:t>
             </a:r>
             <a:r>
-              <a:rPr lang="tr-TR" sz="2500" i="1" dirty="0" smtClean="0">
+              <a:rPr lang="tr-TR" sz="2500" i="1" dirty="0">
                 <a:solidFill>
                   <a:prstClr val="white"/>
                 </a:solidFill>
@@ -6473,7 +6614,7 @@
               <a:t> </a:t>
             </a:r>
             <a:r>
-              <a:rPr lang="en-US" sz="2500" dirty="0" smtClean="0">
+              <a:rPr lang="en-US" sz="2500" dirty="0">
                 <a:solidFill>
                   <a:prstClr val="white"/>
                 </a:solidFill>
@@ -6499,7 +6640,7 @@
               </a:rPr>
               <a:t>, is about an astronaut who is left alone on Mars after his team leaves after a storm and is later rescued.</a:t>
             </a:r>
-            <a:endParaRPr kumimoji="0" lang="tr-TR" sz="2500" b="0" i="0" u="none" strike="noStrike" kern="1200" cap="none" spc="0" normalizeH="0" baseline="0" noProof="0" dirty="0" smtClean="0">
+            <a:endParaRPr kumimoji="0" lang="tr-TR" sz="2500" b="0" i="0" u="none" strike="noStrike" kern="1200" cap="none" spc="0" normalizeH="0" baseline="0" noProof="0" dirty="0">
               <a:ln>
                 <a:noFill/>
               </a:ln>
@@ -6527,13 +6668,6 @@
   <p:transition spd="med">
     <p:pull dir="r"/>
   </p:transition>
-  <p:timing>
-    <p:tnLst>
-      <p:par>
-        <p:cTn id="1" dur="indefinite" restart="never" nodeType="tmRoot"/>
-      </p:par>
-    </p:tnLst>
-  </p:timing>
 </p:sld>
 </file>
 
@@ -6617,7 +6751,7 @@
               <a:tabLst/>
               <a:defRPr/>
             </a:pPr>
-            <a:endParaRPr kumimoji="0" lang="tr-TR" sz="1800" b="0" i="0" u="none" strike="noStrike" kern="1200" cap="none" spc="0" normalizeH="0" baseline="0" noProof="0" dirty="0" smtClean="0">
+            <a:endParaRPr kumimoji="0" lang="tr-TR" sz="1800" b="0" i="0" u="none" strike="noStrike" kern="1200" cap="none" spc="0" normalizeH="0" baseline="0" noProof="0" dirty="0">
               <a:ln>
                 <a:noFill/>
               </a:ln>
@@ -6745,7 +6879,7 @@
               <a:tabLst/>
               <a:defRPr/>
             </a:pPr>
-            <a:endParaRPr kumimoji="0" lang="tr-TR" sz="1800" b="0" i="0" u="none" strike="noStrike" kern="1200" cap="none" spc="0" normalizeH="0" baseline="0" noProof="0" dirty="0" smtClean="0">
+            <a:endParaRPr kumimoji="0" lang="tr-TR" sz="1800" b="0" i="0" u="none" strike="noStrike" kern="1200" cap="none" spc="0" normalizeH="0" baseline="0" noProof="0" dirty="0">
               <a:ln>
                 <a:noFill/>
               </a:ln>
@@ -6802,7 +6936,7 @@
               <a:defRPr/>
             </a:pPr>
             <a:r>
-              <a:rPr kumimoji="0" lang="tr-TR" sz="6000" b="0" i="0" u="none" strike="noStrike" kern="1200" cap="none" spc="0" normalizeH="0" baseline="0" noProof="0" dirty="0" err="1" smtClean="0">
+              <a:rPr kumimoji="0" lang="tr-TR" sz="6000" b="0" i="0" u="none" strike="noStrike" kern="1200" cap="none" spc="0" normalizeH="0" baseline="0" noProof="0" dirty="0" err="1">
                 <a:ln>
                   <a:noFill/>
                 </a:ln>
@@ -6819,7 +6953,7 @@
               <a:t>The</a:t>
             </a:r>
             <a:r>
-              <a:rPr kumimoji="0" lang="tr-TR" sz="6000" b="0" i="0" u="none" strike="noStrike" kern="1200" cap="none" spc="0" normalizeH="0" baseline="0" noProof="0" dirty="0" smtClean="0">
+              <a:rPr kumimoji="0" lang="tr-TR" sz="6000" b="0" i="0" u="none" strike="noStrike" kern="1200" cap="none" spc="0" normalizeH="0" baseline="0" noProof="0" dirty="0">
                 <a:ln>
                   <a:noFill/>
                 </a:ln>
@@ -6836,7 +6970,7 @@
               <a:t> </a:t>
             </a:r>
             <a:r>
-              <a:rPr kumimoji="0" lang="tr-TR" sz="6000" b="0" i="0" u="none" strike="noStrike" kern="1200" cap="none" spc="0" normalizeH="0" baseline="0" noProof="0" dirty="0" err="1" smtClean="0">
+              <a:rPr kumimoji="0" lang="tr-TR" sz="6000" b="0" i="0" u="none" strike="noStrike" kern="1200" cap="none" spc="0" normalizeH="0" baseline="0" noProof="0" dirty="0" err="1">
                 <a:ln>
                   <a:noFill/>
                 </a:ln>
@@ -6852,7 +6986,7 @@
               </a:rPr>
               <a:t>Martian</a:t>
             </a:r>
-            <a:endParaRPr kumimoji="0" lang="tr-TR" sz="6000" b="0" i="0" u="none" strike="noStrike" kern="1200" cap="none" spc="0" normalizeH="0" baseline="0" noProof="0" dirty="0" smtClean="0">
+            <a:endParaRPr kumimoji="0" lang="tr-TR" sz="6000" b="0" i="0" u="none" strike="noStrike" kern="1200" cap="none" spc="0" normalizeH="0" baseline="0" noProof="0" dirty="0">
               <a:ln>
                 <a:noFill/>
               </a:ln>
@@ -6924,7 +7058,7 @@
               <a:tabLst/>
               <a:defRPr/>
             </a:pPr>
-            <a:endParaRPr kumimoji="0" lang="tr-TR" sz="1800" b="0" i="0" u="none" strike="noStrike" kern="1200" cap="none" spc="0" normalizeH="0" baseline="0" noProof="0" smtClean="0">
+            <a:endParaRPr kumimoji="0" lang="tr-TR" sz="1800" b="0" i="0" u="none" strike="noStrike" kern="1200" cap="none" spc="0" normalizeH="0" baseline="0" noProof="0">
               <a:ln>
                 <a:noFill/>
               </a:ln>
@@ -7026,19 +7160,10 @@
                 </a:solidFill>
                 <a:latin typeface="Impact" panose="020B0806030902050204" pitchFamily="34" charset="0"/>
               </a:rPr>
-              <a:t>It all starts when astronaut named Mark, who was on the fourth of the Ares missions to the planet Mars, was thought to be dead and left </a:t>
-            </a:r>
-            <a:r>
-              <a:rPr lang="en-US" sz="2500" dirty="0" smtClean="0">
-                <a:solidFill>
-                  <a:prstClr val="white"/>
-                </a:solidFill>
-                <a:latin typeface="Impact" panose="020B0806030902050204" pitchFamily="34" charset="0"/>
-              </a:rPr>
-              <a:t>behind</a:t>
-            </a:r>
-            <a:r>
-              <a:rPr lang="tr-TR" sz="2500" dirty="0" smtClean="0">
+              <a:t>It all starts when astronaut named Mark, who was on the fourth of the Ares missions to the planet Mars, was thought to be dead and left behind</a:t>
+            </a:r>
+            <a:r>
+              <a:rPr lang="tr-TR" sz="2500" dirty="0">
                 <a:solidFill>
                   <a:prstClr val="white"/>
                 </a:solidFill>
@@ -7046,7 +7171,7 @@
               </a:rPr>
               <a:t>.</a:t>
             </a:r>
-            <a:endParaRPr kumimoji="0" lang="tr-TR" sz="2500" b="0" i="0" u="none" strike="noStrike" kern="1200" cap="none" spc="0" normalizeH="0" baseline="0" noProof="0" dirty="0" smtClean="0">
+            <a:endParaRPr kumimoji="0" lang="tr-TR" sz="2500" b="0" i="0" u="none" strike="noStrike" kern="1200" cap="none" spc="0" normalizeH="0" baseline="0" noProof="0" dirty="0">
               <a:ln>
                 <a:noFill/>
               </a:ln>
@@ -7076,13 +7201,6 @@
   <p:transition spd="med">
     <p:pull dir="r"/>
   </p:transition>
-  <p:timing>
-    <p:tnLst>
-      <p:par>
-        <p:cTn id="1" dur="indefinite" restart="never" nodeType="tmRoot"/>
-      </p:par>
-    </p:tnLst>
-  </p:timing>
 </p:sld>
 </file>
 
@@ -7166,7 +7284,7 @@
               <a:tabLst/>
               <a:defRPr/>
             </a:pPr>
-            <a:endParaRPr kumimoji="0" lang="tr-TR" sz="1800" b="0" i="0" u="none" strike="noStrike" kern="1200" cap="none" spc="0" normalizeH="0" baseline="0" noProof="0" dirty="0" smtClean="0">
+            <a:endParaRPr kumimoji="0" lang="tr-TR" sz="1800" b="0" i="0" u="none" strike="noStrike" kern="1200" cap="none" spc="0" normalizeH="0" baseline="0" noProof="0" dirty="0">
               <a:ln>
                 <a:noFill/>
               </a:ln>
@@ -7294,7 +7412,7 @@
               <a:tabLst/>
               <a:defRPr/>
             </a:pPr>
-            <a:endParaRPr kumimoji="0" lang="tr-TR" sz="1800" b="0" i="0" u="none" strike="noStrike" kern="1200" cap="none" spc="0" normalizeH="0" baseline="0" noProof="0" dirty="0" smtClean="0">
+            <a:endParaRPr kumimoji="0" lang="tr-TR" sz="1800" b="0" i="0" u="none" strike="noStrike" kern="1200" cap="none" spc="0" normalizeH="0" baseline="0" noProof="0" dirty="0">
               <a:ln>
                 <a:noFill/>
               </a:ln>
@@ -7351,7 +7469,7 @@
               <a:defRPr/>
             </a:pPr>
             <a:r>
-              <a:rPr kumimoji="0" lang="tr-TR" sz="6000" b="0" i="0" u="none" strike="noStrike" kern="1200" cap="none" spc="0" normalizeH="0" baseline="0" noProof="0" dirty="0" err="1" smtClean="0">
+              <a:rPr kumimoji="0" lang="tr-TR" sz="6000" b="0" i="0" u="none" strike="noStrike" kern="1200" cap="none" spc="0" normalizeH="0" baseline="0" noProof="0" dirty="0" err="1">
                 <a:ln>
                   <a:noFill/>
                 </a:ln>
@@ -7368,7 +7486,7 @@
               <a:t>The</a:t>
             </a:r>
             <a:r>
-              <a:rPr kumimoji="0" lang="tr-TR" sz="6000" b="0" i="0" u="none" strike="noStrike" kern="1200" cap="none" spc="0" normalizeH="0" baseline="0" noProof="0" dirty="0" smtClean="0">
+              <a:rPr kumimoji="0" lang="tr-TR" sz="6000" b="0" i="0" u="none" strike="noStrike" kern="1200" cap="none" spc="0" normalizeH="0" baseline="0" noProof="0" dirty="0">
                 <a:ln>
                   <a:noFill/>
                 </a:ln>
@@ -7385,7 +7503,7 @@
               <a:t> </a:t>
             </a:r>
             <a:r>
-              <a:rPr kumimoji="0" lang="tr-TR" sz="6000" b="0" i="0" u="none" strike="noStrike" kern="1200" cap="none" spc="0" normalizeH="0" baseline="0" noProof="0" dirty="0" err="1" smtClean="0">
+              <a:rPr kumimoji="0" lang="tr-TR" sz="6000" b="0" i="0" u="none" strike="noStrike" kern="1200" cap="none" spc="0" normalizeH="0" baseline="0" noProof="0" dirty="0" err="1">
                 <a:ln>
                   <a:noFill/>
                 </a:ln>
@@ -7401,7 +7519,7 @@
               </a:rPr>
               <a:t>Martian</a:t>
             </a:r>
-            <a:endParaRPr kumimoji="0" lang="tr-TR" sz="6000" b="0" i="0" u="none" strike="noStrike" kern="1200" cap="none" spc="0" normalizeH="0" baseline="0" noProof="0" dirty="0" smtClean="0">
+            <a:endParaRPr kumimoji="0" lang="tr-TR" sz="6000" b="0" i="0" u="none" strike="noStrike" kern="1200" cap="none" spc="0" normalizeH="0" baseline="0" noProof="0" dirty="0">
               <a:ln>
                 <a:noFill/>
               </a:ln>
@@ -7473,7 +7591,7 @@
               <a:tabLst/>
               <a:defRPr/>
             </a:pPr>
-            <a:endParaRPr kumimoji="0" lang="tr-TR" sz="1800" b="0" i="0" u="none" strike="noStrike" kern="1200" cap="none" spc="0" normalizeH="0" baseline="0" noProof="0" smtClean="0">
+            <a:endParaRPr kumimoji="0" lang="tr-TR" sz="1800" b="0" i="0" u="none" strike="noStrike" kern="1200" cap="none" spc="0" normalizeH="0" baseline="0" noProof="0">
               <a:ln>
                 <a:noFill/>
               </a:ln>
@@ -7577,7 +7695,7 @@
               </a:rPr>
               <a:t>After the news of Mark's death came to the world, it was met with deep sadness and a funeral ceremony was held.</a:t>
             </a:r>
-            <a:endParaRPr kumimoji="0" lang="tr-TR" sz="2500" b="0" i="0" u="none" strike="noStrike" kern="1200" cap="none" spc="0" normalizeH="0" baseline="0" noProof="0" dirty="0" smtClean="0">
+            <a:endParaRPr kumimoji="0" lang="tr-TR" sz="2500" b="0" i="0" u="none" strike="noStrike" kern="1200" cap="none" spc="0" normalizeH="0" baseline="0" noProof="0" dirty="0">
               <a:ln>
                 <a:noFill/>
               </a:ln>
@@ -7607,13 +7725,6 @@
   <p:transition spd="med">
     <p:pull dir="r"/>
   </p:transition>
-  <p:timing>
-    <p:tnLst>
-      <p:par>
-        <p:cTn id="1" dur="indefinite" restart="never" nodeType="tmRoot"/>
-      </p:par>
-    </p:tnLst>
-  </p:timing>
 </p:sld>
 </file>
 
@@ -7697,7 +7808,7 @@
               <a:tabLst/>
               <a:defRPr/>
             </a:pPr>
-            <a:endParaRPr kumimoji="0" lang="tr-TR" sz="1800" b="0" i="0" u="none" strike="noStrike" kern="1200" cap="none" spc="0" normalizeH="0" baseline="0" noProof="0" dirty="0" smtClean="0">
+            <a:endParaRPr kumimoji="0" lang="tr-TR" sz="1800" b="0" i="0" u="none" strike="noStrike" kern="1200" cap="none" spc="0" normalizeH="0" baseline="0" noProof="0" dirty="0">
               <a:ln>
                 <a:noFill/>
               </a:ln>
@@ -7825,7 +7936,7 @@
               <a:tabLst/>
               <a:defRPr/>
             </a:pPr>
-            <a:endParaRPr kumimoji="0" lang="tr-TR" sz="1800" b="0" i="0" u="none" strike="noStrike" kern="1200" cap="none" spc="0" normalizeH="0" baseline="0" noProof="0" dirty="0" smtClean="0">
+            <a:endParaRPr kumimoji="0" lang="tr-TR" sz="1800" b="0" i="0" u="none" strike="noStrike" kern="1200" cap="none" spc="0" normalizeH="0" baseline="0" noProof="0" dirty="0">
               <a:ln>
                 <a:noFill/>
               </a:ln>
@@ -7882,7 +7993,7 @@
               <a:defRPr/>
             </a:pPr>
             <a:r>
-              <a:rPr kumimoji="0" lang="tr-TR" sz="6000" b="0" i="0" u="none" strike="noStrike" kern="1200" cap="none" spc="0" normalizeH="0" baseline="0" noProof="0" dirty="0" err="1" smtClean="0">
+              <a:rPr kumimoji="0" lang="tr-TR" sz="6000" b="0" i="0" u="none" strike="noStrike" kern="1200" cap="none" spc="0" normalizeH="0" baseline="0" noProof="0" dirty="0" err="1">
                 <a:ln>
                   <a:noFill/>
                 </a:ln>
@@ -7899,7 +8010,7 @@
               <a:t>The</a:t>
             </a:r>
             <a:r>
-              <a:rPr kumimoji="0" lang="tr-TR" sz="6000" b="0" i="0" u="none" strike="noStrike" kern="1200" cap="none" spc="0" normalizeH="0" baseline="0" noProof="0" dirty="0" smtClean="0">
+              <a:rPr kumimoji="0" lang="tr-TR" sz="6000" b="0" i="0" u="none" strike="noStrike" kern="1200" cap="none" spc="0" normalizeH="0" baseline="0" noProof="0" dirty="0">
                 <a:ln>
                   <a:noFill/>
                 </a:ln>
@@ -7916,7 +8027,7 @@
               <a:t> </a:t>
             </a:r>
             <a:r>
-              <a:rPr kumimoji="0" lang="tr-TR" sz="6000" b="0" i="0" u="none" strike="noStrike" kern="1200" cap="none" spc="0" normalizeH="0" baseline="0" noProof="0" dirty="0" err="1" smtClean="0">
+              <a:rPr kumimoji="0" lang="tr-TR" sz="6000" b="0" i="0" u="none" strike="noStrike" kern="1200" cap="none" spc="0" normalizeH="0" baseline="0" noProof="0" dirty="0" err="1">
                 <a:ln>
                   <a:noFill/>
                 </a:ln>
@@ -7932,7 +8043,7 @@
               </a:rPr>
               <a:t>Martian</a:t>
             </a:r>
-            <a:endParaRPr kumimoji="0" lang="tr-TR" sz="6000" b="0" i="0" u="none" strike="noStrike" kern="1200" cap="none" spc="0" normalizeH="0" baseline="0" noProof="0" dirty="0" smtClean="0">
+            <a:endParaRPr kumimoji="0" lang="tr-TR" sz="6000" b="0" i="0" u="none" strike="noStrike" kern="1200" cap="none" spc="0" normalizeH="0" baseline="0" noProof="0" dirty="0">
               <a:ln>
                 <a:noFill/>
               </a:ln>
@@ -8004,7 +8115,7 @@
               <a:tabLst/>
               <a:defRPr/>
             </a:pPr>
-            <a:endParaRPr kumimoji="0" lang="tr-TR" sz="1800" b="0" i="0" u="none" strike="noStrike" kern="1200" cap="none" spc="0" normalizeH="0" baseline="0" noProof="0" smtClean="0">
+            <a:endParaRPr kumimoji="0" lang="tr-TR" sz="1800" b="0" i="0" u="none" strike="noStrike" kern="1200" cap="none" spc="0" normalizeH="0" baseline="0" noProof="0">
               <a:ln>
                 <a:noFill/>
               </a:ln>
@@ -8118,34 +8229,16 @@
               <a:t>N</a:t>
             </a:r>
             <a:r>
-              <a:rPr lang="en-US" sz="2500" dirty="0" smtClean="0">
-                <a:solidFill>
-                  <a:prstClr val="white"/>
-                </a:solidFill>
-                <a:latin typeface="Impact" panose="020B0806030902050204" pitchFamily="34" charset="0"/>
-              </a:rPr>
-              <a:t>ow </a:t>
-            </a:r>
-            <a:r>
               <a:rPr lang="en-US" sz="2500" dirty="0">
                 <a:solidFill>
                   <a:prstClr val="white"/>
                 </a:solidFill>
                 <a:latin typeface="Impact" panose="020B0806030902050204" pitchFamily="34" charset="0"/>
               </a:rPr>
-              <a:t>they must bring Mark. And now at Mars ,Mark is looking for a way to </a:t>
-            </a:r>
-            <a:r>
-              <a:rPr lang="en-US" sz="2500" dirty="0" smtClean="0">
-                <a:solidFill>
-                  <a:prstClr val="white"/>
-                </a:solidFill>
-                <a:latin typeface="Impact" panose="020B0806030902050204" pitchFamily="34" charset="0"/>
-              </a:rPr>
-              <a:t>contact</a:t>
-            </a:r>
-            <a:r>
-              <a:rPr lang="tr-TR" sz="2500" dirty="0" smtClean="0">
+              <a:t>ow they must bring Mark. And now at Mars ,Mark is looking for a way to contact</a:t>
+            </a:r>
+            <a:r>
+              <a:rPr lang="tr-TR" sz="2500" dirty="0">
                 <a:solidFill>
                   <a:prstClr val="white"/>
                 </a:solidFill>
@@ -8153,7 +8246,7 @@
               </a:rPr>
               <a:t> NASA.</a:t>
             </a:r>
-            <a:endParaRPr kumimoji="0" lang="tr-TR" sz="2500" b="0" i="0" u="none" strike="noStrike" kern="1200" cap="none" spc="0" normalizeH="0" baseline="0" noProof="0" dirty="0" smtClean="0">
+            <a:endParaRPr kumimoji="0" lang="tr-TR" sz="2500" b="0" i="0" u="none" strike="noStrike" kern="1200" cap="none" spc="0" normalizeH="0" baseline="0" noProof="0" dirty="0">
               <a:ln>
                 <a:noFill/>
               </a:ln>
@@ -8183,13 +8276,6 @@
   <p:transition spd="med">
     <p:pull dir="r"/>
   </p:transition>
-  <p:timing>
-    <p:tnLst>
-      <p:par>
-        <p:cTn id="1" dur="indefinite" restart="never" nodeType="tmRoot"/>
-      </p:par>
-    </p:tnLst>
-  </p:timing>
 </p:sld>
 </file>
 
@@ -8273,7 +8359,7 @@
               <a:tabLst/>
               <a:defRPr/>
             </a:pPr>
-            <a:endParaRPr kumimoji="0" lang="tr-TR" sz="1800" b="0" i="0" u="none" strike="noStrike" kern="1200" cap="none" spc="0" normalizeH="0" baseline="0" noProof="0" dirty="0" smtClean="0">
+            <a:endParaRPr kumimoji="0" lang="tr-TR" sz="1800" b="0" i="0" u="none" strike="noStrike" kern="1200" cap="none" spc="0" normalizeH="0" baseline="0" noProof="0" dirty="0">
               <a:ln>
                 <a:noFill/>
               </a:ln>
@@ -8401,7 +8487,7 @@
               <a:tabLst/>
               <a:defRPr/>
             </a:pPr>
-            <a:endParaRPr kumimoji="0" lang="tr-TR" sz="1800" b="0" i="0" u="none" strike="noStrike" kern="1200" cap="none" spc="0" normalizeH="0" baseline="0" noProof="0" dirty="0" smtClean="0">
+            <a:endParaRPr kumimoji="0" lang="tr-TR" sz="1800" b="0" i="0" u="none" strike="noStrike" kern="1200" cap="none" spc="0" normalizeH="0" baseline="0" noProof="0" dirty="0">
               <a:ln>
                 <a:noFill/>
               </a:ln>
@@ -8458,7 +8544,7 @@
               <a:defRPr/>
             </a:pPr>
             <a:r>
-              <a:rPr kumimoji="0" lang="tr-TR" sz="6000" b="0" i="0" u="none" strike="noStrike" kern="1200" cap="none" spc="0" normalizeH="0" baseline="0" noProof="0" dirty="0" err="1" smtClean="0">
+              <a:rPr kumimoji="0" lang="tr-TR" sz="6000" b="0" i="0" u="none" strike="noStrike" kern="1200" cap="none" spc="0" normalizeH="0" baseline="0" noProof="0" dirty="0" err="1">
                 <a:ln>
                   <a:noFill/>
                 </a:ln>
@@ -8475,7 +8561,7 @@
               <a:t>The</a:t>
             </a:r>
             <a:r>
-              <a:rPr kumimoji="0" lang="tr-TR" sz="6000" b="0" i="0" u="none" strike="noStrike" kern="1200" cap="none" spc="0" normalizeH="0" baseline="0" noProof="0" dirty="0" smtClean="0">
+              <a:rPr kumimoji="0" lang="tr-TR" sz="6000" b="0" i="0" u="none" strike="noStrike" kern="1200" cap="none" spc="0" normalizeH="0" baseline="0" noProof="0" dirty="0">
                 <a:ln>
                   <a:noFill/>
                 </a:ln>
@@ -8492,7 +8578,7 @@
               <a:t> </a:t>
             </a:r>
             <a:r>
-              <a:rPr kumimoji="0" lang="tr-TR" sz="6000" b="0" i="0" u="none" strike="noStrike" kern="1200" cap="none" spc="0" normalizeH="0" baseline="0" noProof="0" dirty="0" err="1" smtClean="0">
+              <a:rPr kumimoji="0" lang="tr-TR" sz="6000" b="0" i="0" u="none" strike="noStrike" kern="1200" cap="none" spc="0" normalizeH="0" baseline="0" noProof="0" dirty="0" err="1">
                 <a:ln>
                   <a:noFill/>
                 </a:ln>
@@ -8508,7 +8594,7 @@
               </a:rPr>
               <a:t>Martian</a:t>
             </a:r>
-            <a:endParaRPr kumimoji="0" lang="tr-TR" sz="6000" b="0" i="0" u="none" strike="noStrike" kern="1200" cap="none" spc="0" normalizeH="0" baseline="0" noProof="0" dirty="0" smtClean="0">
+            <a:endParaRPr kumimoji="0" lang="tr-TR" sz="6000" b="0" i="0" u="none" strike="noStrike" kern="1200" cap="none" spc="0" normalizeH="0" baseline="0" noProof="0" dirty="0">
               <a:ln>
                 <a:noFill/>
               </a:ln>
@@ -8580,7 +8666,7 @@
               <a:tabLst/>
               <a:defRPr/>
             </a:pPr>
-            <a:endParaRPr kumimoji="0" lang="tr-TR" sz="1800" b="0" i="0" u="none" strike="noStrike" kern="1200" cap="none" spc="0" normalizeH="0" baseline="0" noProof="0" smtClean="0">
+            <a:endParaRPr kumimoji="0" lang="tr-TR" sz="1800" b="0" i="0" u="none" strike="noStrike" kern="1200" cap="none" spc="0" normalizeH="0" baseline="0" noProof="0">
               <a:ln>
                 <a:noFill/>
               </a:ln>
@@ -8685,7 +8771,7 @@
               <a:t>E</a:t>
             </a:r>
             <a:r>
-              <a:rPr lang="en-US" sz="2500" dirty="0" err="1" smtClean="0">
+              <a:rPr lang="en-US" sz="2500" dirty="0" err="1">
                 <a:solidFill>
                   <a:prstClr val="white"/>
                 </a:solidFill>
@@ -8694,22 +8780,13 @@
               <a:t>nd</a:t>
             </a:r>
             <a:r>
-              <a:rPr lang="en-US" sz="2500" dirty="0" smtClean="0">
-                <a:solidFill>
-                  <a:prstClr val="white"/>
-                </a:solidFill>
-                <a:latin typeface="Impact" panose="020B0806030902050204" pitchFamily="34" charset="0"/>
-              </a:rPr>
-              <a:t> </a:t>
-            </a:r>
-            <a:r>
               <a:rPr lang="en-US" sz="2500" dirty="0">
                 <a:solidFill>
                   <a:prstClr val="white"/>
                 </a:solidFill>
                 <a:latin typeface="Impact" panose="020B0806030902050204" pitchFamily="34" charset="0"/>
               </a:rPr>
-              <a:t>of all Mark find way of contact with NASA .After that they start a rescue operation for Mark .This period is hard </a:t>
+              <a:t> of all Mark find way of contact with NASA .After that they start a rescue operation for Mark .This period is hard </a:t>
             </a:r>
             <a:r>
               <a:rPr lang="en-US" sz="2500" dirty="0" err="1">
@@ -8745,13 +8822,6 @@
   <p:transition spd="med">
     <p:pull dir="r"/>
   </p:transition>
-  <p:timing>
-    <p:tnLst>
-      <p:par>
-        <p:cTn id="1" dur="indefinite" restart="never" nodeType="tmRoot"/>
-      </p:par>
-    </p:tnLst>
-  </p:timing>
 </p:sld>
 </file>
 
@@ -8876,7 +8946,7 @@
               <a:defRPr/>
             </a:pPr>
             <a:r>
-              <a:rPr kumimoji="0" lang="tr-TR" sz="6000" b="0" i="0" u="none" strike="noStrike" kern="1200" cap="none" spc="0" normalizeH="0" baseline="0" noProof="0" dirty="0" err="1" smtClean="0">
+              <a:rPr kumimoji="0" lang="tr-TR" sz="6000" b="0" i="0" u="none" strike="noStrike" kern="1200" cap="none" spc="0" normalizeH="0" baseline="0" noProof="0" dirty="0" err="1">
                 <a:ln>
                   <a:noFill/>
                 </a:ln>
@@ -8893,7 +8963,7 @@
               <a:t>The</a:t>
             </a:r>
             <a:r>
-              <a:rPr kumimoji="0" lang="tr-TR" sz="6000" b="0" i="0" u="none" strike="noStrike" kern="1200" cap="none" spc="0" normalizeH="0" baseline="0" noProof="0" dirty="0" smtClean="0">
+              <a:rPr kumimoji="0" lang="tr-TR" sz="6000" b="0" i="0" u="none" strike="noStrike" kern="1200" cap="none" spc="0" normalizeH="0" baseline="0" noProof="0" dirty="0">
                 <a:ln>
                   <a:noFill/>
                 </a:ln>
@@ -8910,7 +8980,7 @@
               <a:t> </a:t>
             </a:r>
             <a:r>
-              <a:rPr kumimoji="0" lang="tr-TR" sz="6000" b="0" i="0" u="none" strike="noStrike" kern="1200" cap="none" spc="0" normalizeH="0" baseline="0" noProof="0" dirty="0" err="1" smtClean="0">
+              <a:rPr kumimoji="0" lang="tr-TR" sz="6000" b="0" i="0" u="none" strike="noStrike" kern="1200" cap="none" spc="0" normalizeH="0" baseline="0" noProof="0" dirty="0" err="1">
                 <a:ln>
                   <a:noFill/>
                 </a:ln>
@@ -8926,7 +8996,7 @@
               </a:rPr>
               <a:t>Martian</a:t>
             </a:r>
-            <a:endParaRPr kumimoji="0" lang="tr-TR" sz="6000" b="0" i="0" u="none" strike="noStrike" kern="1200" cap="none" spc="0" normalizeH="0" baseline="0" noProof="0" dirty="0" smtClean="0">
+            <a:endParaRPr kumimoji="0" lang="tr-TR" sz="6000" b="0" i="0" u="none" strike="noStrike" kern="1200" cap="none" spc="0" normalizeH="0" baseline="0" noProof="0" dirty="0">
               <a:ln>
                 <a:noFill/>
               </a:ln>
@@ -8998,7 +9068,7 @@
               <a:tabLst/>
               <a:defRPr/>
             </a:pPr>
-            <a:endParaRPr kumimoji="0" lang="tr-TR" sz="1800" b="0" i="0" u="none" strike="noStrike" kern="1200" cap="none" spc="0" normalizeH="0" baseline="0" noProof="0" smtClean="0">
+            <a:endParaRPr kumimoji="0" lang="tr-TR" sz="1800" b="0" i="0" u="none" strike="noStrike" kern="1200" cap="none" spc="0" normalizeH="0" baseline="0" noProof="0">
               <a:ln>
                 <a:noFill/>
               </a:ln>
@@ -9098,26 +9168,9 @@
                 <a:ea typeface="+mn-ea"/>
                 <a:cs typeface="+mn-cs"/>
               </a:rPr>
-              <a:t>The Martian movie is about an astronaut who is left alone on Mars after his team leaves after a storm and is later rescued</a:t>
-            </a:r>
-            <a:r>
-              <a:rPr kumimoji="0" lang="en-US" sz="2500" b="0" i="0" u="none" strike="noStrike" kern="1200" cap="none" spc="0" normalizeH="0" baseline="0" noProof="0" dirty="0" smtClean="0">
-                <a:ln>
-                  <a:noFill/>
-                </a:ln>
-                <a:solidFill>
-                  <a:prstClr val="white"/>
-                </a:solidFill>
-                <a:effectLst/>
-                <a:uLnTx/>
-                <a:uFillTx/>
-                <a:latin typeface="Impact" panose="020B0806030902050204" pitchFamily="34" charset="0"/>
-                <a:ea typeface="+mn-ea"/>
-                <a:cs typeface="+mn-cs"/>
-              </a:rPr>
-              <a:t>.</a:t>
-            </a:r>
-            <a:endParaRPr kumimoji="0" lang="tr-TR" sz="2500" b="0" i="0" u="none" strike="noStrike" kern="1200" cap="none" spc="0" normalizeH="0" baseline="0" noProof="0" dirty="0" smtClean="0">
+              <a:t>The Martian movie is about an astronaut who is left alone on Mars after his team leaves after a storm and is later rescued.</a:t>
+            </a:r>
+            <a:endParaRPr kumimoji="0" lang="tr-TR" sz="2500" b="0" i="0" u="none" strike="noStrike" kern="1200" cap="none" spc="0" normalizeH="0" baseline="0" noProof="0" dirty="0">
               <a:ln>
                 <a:noFill/>
               </a:ln>
@@ -9141,9 +9194,9 @@
           <p:nvPr/>
         </p:nvSpPr>
         <p:spPr>
-          <a:xfrm flipH="1">
-            <a:off x="-104931" y="545322"/>
-            <a:ext cx="15159860" cy="4939259"/>
+          <a:xfrm rot="10800000" flipV="1">
+            <a:off x="-3152931" y="547200"/>
+            <a:ext cx="15159860" cy="5525693"/>
           </a:xfrm>
           <a:prstGeom prst="roundRect">
             <a:avLst/>
@@ -9189,7 +9242,7 @@
               <a:tabLst/>
               <a:defRPr/>
             </a:pPr>
-            <a:endParaRPr kumimoji="0" lang="tr-TR" sz="1800" b="0" i="0" u="none" strike="noStrike" kern="1200" cap="none" spc="0" normalizeH="0" baseline="0" noProof="0" dirty="0" smtClean="0">
+            <a:endParaRPr kumimoji="0" lang="tr-TR" sz="1800" b="0" i="0" u="none" strike="noStrike" kern="1200" cap="none" spc="0" normalizeH="0" baseline="0" noProof="0" dirty="0">
               <a:ln>
                 <a:noFill/>
               </a:ln>
@@ -9238,7 +9291,7 @@
               <a:t>The </a:t>
             </a:r>
             <a:r>
-              <a:rPr lang="tr-TR" sz="4000" dirty="0" err="1" smtClean="0">
+              <a:rPr lang="tr-TR" sz="4000" dirty="0" err="1">
                 <a:solidFill>
                   <a:schemeClr val="bg1"/>
                 </a:solidFill>
@@ -9247,22 +9300,13 @@
               <a:t>Martian</a:t>
             </a:r>
             <a:r>
-              <a:rPr lang="en-US" sz="4000" dirty="0" smtClean="0">
-                <a:solidFill>
-                  <a:schemeClr val="bg1"/>
-                </a:solidFill>
-                <a:latin typeface="Impact" panose="020B0806030902050204" pitchFamily="34" charset="0"/>
-              </a:rPr>
-              <a:t> </a:t>
-            </a:r>
-            <a:r>
               <a:rPr lang="en-US" sz="4000" dirty="0">
                 <a:solidFill>
                   <a:schemeClr val="bg1"/>
                 </a:solidFill>
                 <a:latin typeface="Impact" panose="020B0806030902050204" pitchFamily="34" charset="0"/>
               </a:rPr>
-              <a:t>is directed by Ridley Scott and written by Drew Godard.</a:t>
+              <a:t> is directed by Ridley Scott and written by Drew Godard.</a:t>
             </a:r>
             <a:endParaRPr lang="tr-TR" sz="4000" dirty="0">
               <a:solidFill>
@@ -9404,7 +9448,7 @@
           <a:lstStyle/>
           <a:p>
             <a:r>
-              <a:rPr lang="en-US" sz="4000" dirty="0" smtClean="0">
+              <a:rPr lang="en-US" sz="4000" dirty="0">
                 <a:solidFill>
                   <a:schemeClr val="bg1"/>
                 </a:solidFill>
@@ -9498,7 +9542,7 @@
           <a:lstStyle/>
           <a:p>
             <a:r>
-              <a:rPr lang="tr-TR" sz="4000" dirty="0" err="1" smtClean="0">
+              <a:rPr lang="tr-TR" sz="4000" dirty="0" err="1">
                 <a:solidFill>
                   <a:schemeClr val="bg1"/>
                 </a:solidFill>
@@ -9507,7 +9551,7 @@
               <a:t>Drew</a:t>
             </a:r>
             <a:r>
-              <a:rPr lang="tr-TR" sz="4000" dirty="0" smtClean="0">
+              <a:rPr lang="tr-TR" sz="4000" dirty="0">
                 <a:solidFill>
                   <a:schemeClr val="bg1"/>
                 </a:solidFill>
@@ -9516,7 +9560,7 @@
               <a:t> </a:t>
             </a:r>
             <a:r>
-              <a:rPr lang="tr-TR" sz="4000" dirty="0" err="1" smtClean="0">
+              <a:rPr lang="tr-TR" sz="4000" dirty="0" err="1">
                 <a:solidFill>
                   <a:schemeClr val="bg1"/>
                 </a:solidFill>
@@ -9529,6 +9573,84 @@
                 <a:schemeClr val="bg1"/>
               </a:solidFill>
               <a:latin typeface="Impact" panose="020B0806030902050204" pitchFamily="34" charset="0"/>
+            </a:endParaRPr>
+          </a:p>
+        </p:txBody>
+      </p:sp>
+      <p:sp>
+        <p:nvSpPr>
+          <p:cNvPr id="13" name="Yuvarlatılmış Dikdörtgen 4">
+            <a:extLst>
+              <a:ext uri="{FF2B5EF4-FFF2-40B4-BE49-F238E27FC236}">
+                <a16:creationId xmlns:a16="http://schemas.microsoft.com/office/drawing/2014/main" id="{B028FE53-14EA-A25C-461A-2820F4442447}"/>
+              </a:ext>
+            </a:extLst>
+          </p:cNvPr>
+          <p:cNvSpPr/>
+          <p:nvPr/>
+        </p:nvSpPr>
+        <p:spPr>
+          <a:xfrm flipH="1">
+            <a:off x="-2156141" y="547200"/>
+            <a:ext cx="2608962" cy="5525693"/>
+          </a:xfrm>
+          <a:prstGeom prst="roundRect">
+            <a:avLst/>
+          </a:prstGeom>
+          <a:solidFill>
+            <a:srgbClr val="125531"/>
+          </a:solidFill>
+        </p:spPr>
+        <p:style>
+          <a:lnRef idx="2">
+            <a:schemeClr val="dk1">
+              <a:shade val="50000"/>
+            </a:schemeClr>
+          </a:lnRef>
+          <a:fillRef idx="1">
+            <a:schemeClr val="dk1"/>
+          </a:fillRef>
+          <a:effectRef idx="0">
+            <a:schemeClr val="dk1"/>
+          </a:effectRef>
+          <a:fontRef idx="minor">
+            <a:schemeClr val="lt1"/>
+          </a:fontRef>
+        </p:style>
+        <p:txBody>
+          <a:bodyPr rtlCol="0" anchor="ctr"/>
+          <a:lstStyle/>
+          <a:p>
+            <a:pPr marL="0" marR="0" lvl="0" indent="0" algn="ctr" defTabSz="914400" rtl="0" eaLnBrk="1" fontAlgn="auto" latinLnBrk="0" hangingPunct="1">
+              <a:lnSpc>
+                <a:spcPct val="100000"/>
+              </a:lnSpc>
+              <a:spcBef>
+                <a:spcPts val="0"/>
+              </a:spcBef>
+              <a:spcAft>
+                <a:spcPts val="0"/>
+              </a:spcAft>
+              <a:buClrTx/>
+              <a:buSzTx/>
+              <a:buFontTx/>
+              <a:buNone/>
+              <a:tabLst/>
+              <a:defRPr/>
+            </a:pPr>
+            <a:endParaRPr kumimoji="0" lang="tr-TR" sz="1800" b="0" i="0" u="none" strike="noStrike" kern="1200" cap="none" spc="0" normalizeH="0" baseline="0" noProof="0" dirty="0">
+              <a:ln>
+                <a:noFill/>
+              </a:ln>
+              <a:solidFill>
+                <a:prstClr val="white"/>
+              </a:solidFill>
+              <a:effectLst/>
+              <a:uLnTx/>
+              <a:uFillTx/>
+              <a:latin typeface="Calibri" panose="020F0502020204030204"/>
+              <a:ea typeface="+mn-ea"/>
+              <a:cs typeface="+mn-cs"/>
             </a:endParaRPr>
           </a:p>
         </p:txBody>
@@ -9546,13 +9668,6 @@
   <p:transition spd="med">
     <p:pull/>
   </p:transition>
-  <p:timing>
-    <p:tnLst>
-      <p:par>
-        <p:cTn id="1" dur="indefinite" restart="never" nodeType="tmRoot"/>
-      </p:par>
-    </p:tnLst>
-  </p:timing>
 </p:sld>
 </file>
 
@@ -9677,7 +9792,7 @@
               <a:defRPr/>
             </a:pPr>
             <a:r>
-              <a:rPr kumimoji="0" lang="tr-TR" sz="6000" b="0" i="0" u="none" strike="noStrike" kern="1200" cap="none" spc="0" normalizeH="0" baseline="0" noProof="0" dirty="0" err="1" smtClean="0">
+              <a:rPr kumimoji="0" lang="tr-TR" sz="6000" b="0" i="0" u="none" strike="noStrike" kern="1200" cap="none" spc="0" normalizeH="0" baseline="0" noProof="0" dirty="0" err="1">
                 <a:ln>
                   <a:noFill/>
                 </a:ln>
@@ -9694,7 +9809,7 @@
               <a:t>The</a:t>
             </a:r>
             <a:r>
-              <a:rPr kumimoji="0" lang="tr-TR" sz="6000" b="0" i="0" u="none" strike="noStrike" kern="1200" cap="none" spc="0" normalizeH="0" baseline="0" noProof="0" dirty="0" smtClean="0">
+              <a:rPr kumimoji="0" lang="tr-TR" sz="6000" b="0" i="0" u="none" strike="noStrike" kern="1200" cap="none" spc="0" normalizeH="0" baseline="0" noProof="0" dirty="0">
                 <a:ln>
                   <a:noFill/>
                 </a:ln>
@@ -9711,7 +9826,7 @@
               <a:t> </a:t>
             </a:r>
             <a:r>
-              <a:rPr kumimoji="0" lang="tr-TR" sz="6000" b="0" i="0" u="none" strike="noStrike" kern="1200" cap="none" spc="0" normalizeH="0" baseline="0" noProof="0" dirty="0" err="1" smtClean="0">
+              <a:rPr kumimoji="0" lang="tr-TR" sz="6000" b="0" i="0" u="none" strike="noStrike" kern="1200" cap="none" spc="0" normalizeH="0" baseline="0" noProof="0" dirty="0" err="1">
                 <a:ln>
                   <a:noFill/>
                 </a:ln>
@@ -9727,7 +9842,7 @@
               </a:rPr>
               <a:t>Martian</a:t>
             </a:r>
-            <a:endParaRPr kumimoji="0" lang="tr-TR" sz="6000" b="0" i="0" u="none" strike="noStrike" kern="1200" cap="none" spc="0" normalizeH="0" baseline="0" noProof="0" dirty="0" smtClean="0">
+            <a:endParaRPr kumimoji="0" lang="tr-TR" sz="6000" b="0" i="0" u="none" strike="noStrike" kern="1200" cap="none" spc="0" normalizeH="0" baseline="0" noProof="0" dirty="0">
               <a:ln>
                 <a:noFill/>
               </a:ln>
@@ -9799,7 +9914,7 @@
               <a:tabLst/>
               <a:defRPr/>
             </a:pPr>
-            <a:endParaRPr kumimoji="0" lang="tr-TR" sz="1800" b="0" i="0" u="none" strike="noStrike" kern="1200" cap="none" spc="0" normalizeH="0" baseline="0" noProof="0" smtClean="0">
+            <a:endParaRPr kumimoji="0" lang="tr-TR" sz="1800" b="0" i="0" u="none" strike="noStrike" kern="1200" cap="none" spc="0" normalizeH="0" baseline="0" noProof="0">
               <a:ln>
                 <a:noFill/>
               </a:ln>
@@ -9899,26 +10014,9 @@
                 <a:ea typeface="+mn-ea"/>
                 <a:cs typeface="+mn-cs"/>
               </a:rPr>
-              <a:t>The Martian movie is about an astronaut who is left alone on Mars after his team leaves after a storm and is later rescued</a:t>
-            </a:r>
-            <a:r>
-              <a:rPr kumimoji="0" lang="en-US" sz="2500" b="0" i="0" u="none" strike="noStrike" kern="1200" cap="none" spc="0" normalizeH="0" baseline="0" noProof="0" dirty="0" smtClean="0">
-                <a:ln>
-                  <a:noFill/>
-                </a:ln>
-                <a:solidFill>
-                  <a:prstClr val="white"/>
-                </a:solidFill>
-                <a:effectLst/>
-                <a:uLnTx/>
-                <a:uFillTx/>
-                <a:latin typeface="Impact" panose="020B0806030902050204" pitchFamily="34" charset="0"/>
-                <a:ea typeface="+mn-ea"/>
-                <a:cs typeface="+mn-cs"/>
-              </a:rPr>
-              <a:t>.</a:t>
-            </a:r>
-            <a:endParaRPr kumimoji="0" lang="tr-TR" sz="2500" b="0" i="0" u="none" strike="noStrike" kern="1200" cap="none" spc="0" normalizeH="0" baseline="0" noProof="0" dirty="0" smtClean="0">
+              <a:t>The Martian movie is about an astronaut who is left alone on Mars after his team leaves after a storm and is later rescued.</a:t>
+            </a:r>
+            <a:endParaRPr kumimoji="0" lang="tr-TR" sz="2500" b="0" i="0" u="none" strike="noStrike" kern="1200" cap="none" spc="0" normalizeH="0" baseline="0" noProof="0" dirty="0">
               <a:ln>
                 <a:noFill/>
               </a:ln>
@@ -9943,8 +10041,8 @@
         </p:nvSpPr>
         <p:spPr>
           <a:xfrm flipH="1">
-            <a:off x="-104931" y="545322"/>
-            <a:ext cx="15159860" cy="4939259"/>
+            <a:off x="-104931" y="545321"/>
+            <a:ext cx="15159860" cy="5526000"/>
           </a:xfrm>
           <a:prstGeom prst="roundRect">
             <a:avLst/>
@@ -9990,7 +10088,7 @@
               <a:tabLst/>
               <a:defRPr/>
             </a:pPr>
-            <a:endParaRPr kumimoji="0" lang="tr-TR" sz="1800" b="0" i="0" u="none" strike="noStrike" kern="1200" cap="none" spc="0" normalizeH="0" baseline="0" noProof="0" dirty="0" smtClean="0">
+            <a:endParaRPr kumimoji="0" lang="tr-TR" sz="1800" b="0" i="0" u="none" strike="noStrike" kern="1200" cap="none" spc="0" normalizeH="0" baseline="0" noProof="0" dirty="0">
               <a:ln>
                 <a:noFill/>
               </a:ln>
@@ -10031,7 +10129,7 @@
           <a:p>
             <a:pPr lvl="0"/>
             <a:r>
-              <a:rPr lang="tr-TR" sz="4000" dirty="0" err="1" smtClean="0">
+              <a:rPr lang="tr-TR" sz="4000" dirty="0" err="1">
                 <a:solidFill>
                   <a:schemeClr val="bg1"/>
                 </a:solidFill>
@@ -10040,31 +10138,13 @@
               <a:t>And</a:t>
             </a:r>
             <a:r>
-              <a:rPr lang="tr-TR" sz="4000" dirty="0" smtClean="0">
-                <a:solidFill>
-                  <a:schemeClr val="bg1"/>
-                </a:solidFill>
-                <a:latin typeface="Impact" panose="020B0806030902050204" pitchFamily="34" charset="0"/>
-              </a:rPr>
-              <a:t> </a:t>
-            </a:r>
-            <a:r>
               <a:rPr lang="tr-TR" sz="4000" dirty="0">
                 <a:solidFill>
                   <a:schemeClr val="bg1"/>
                 </a:solidFill>
                 <a:latin typeface="Impact" panose="020B0806030902050204" pitchFamily="34" charset="0"/>
               </a:rPr>
-              <a:t>i</a:t>
-            </a:r>
-            <a:r>
-              <a:rPr lang="en-US" sz="4000" dirty="0" smtClean="0">
-                <a:solidFill>
-                  <a:schemeClr val="bg1"/>
-                </a:solidFill>
-                <a:latin typeface="Impact" panose="020B0806030902050204" pitchFamily="34" charset="0"/>
-              </a:rPr>
-              <a:t>n </a:t>
+              <a:t> i</a:t>
             </a:r>
             <a:r>
               <a:rPr lang="en-US" sz="4000" dirty="0">
@@ -10073,19 +10153,10 @@
                 </a:solidFill>
                 <a:latin typeface="Impact" panose="020B0806030902050204" pitchFamily="34" charset="0"/>
               </a:rPr>
-              <a:t>the movie who plays the lead role is Matt </a:t>
-            </a:r>
-            <a:r>
-              <a:rPr lang="en-US" sz="4000" dirty="0" smtClean="0">
-                <a:solidFill>
-                  <a:schemeClr val="bg1"/>
-                </a:solidFill>
-                <a:latin typeface="Impact" panose="020B0806030902050204" pitchFamily="34" charset="0"/>
-              </a:rPr>
-              <a:t>Damon</a:t>
-            </a:r>
-            <a:r>
-              <a:rPr lang="tr-TR" sz="4000" dirty="0" smtClean="0">
+              <a:t>n the movie who plays the lead role is Matt Damon</a:t>
+            </a:r>
+            <a:r>
+              <a:rPr lang="tr-TR" sz="4000" dirty="0">
                 <a:solidFill>
                   <a:schemeClr val="bg1"/>
                 </a:solidFill>
@@ -10162,6 +10233,84 @@
           </a:sp3d>
         </p:spPr>
       </p:pic>
+      <p:sp>
+        <p:nvSpPr>
+          <p:cNvPr id="12" name="Yuvarlatılmış Dikdörtgen 4">
+            <a:extLst>
+              <a:ext uri="{FF2B5EF4-FFF2-40B4-BE49-F238E27FC236}">
+                <a16:creationId xmlns:a16="http://schemas.microsoft.com/office/drawing/2014/main" id="{C4981058-5A1C-0593-0BA1-666B4CA79801}"/>
+              </a:ext>
+            </a:extLst>
+          </p:cNvPr>
+          <p:cNvSpPr/>
+          <p:nvPr/>
+        </p:nvSpPr>
+        <p:spPr>
+          <a:xfrm flipH="1">
+            <a:off x="11787761" y="540654"/>
+            <a:ext cx="1038618" cy="5526000"/>
+          </a:xfrm>
+          <a:prstGeom prst="roundRect">
+            <a:avLst/>
+          </a:prstGeom>
+          <a:solidFill>
+            <a:srgbClr val="125531"/>
+          </a:solidFill>
+        </p:spPr>
+        <p:style>
+          <a:lnRef idx="2">
+            <a:schemeClr val="dk1">
+              <a:shade val="50000"/>
+            </a:schemeClr>
+          </a:lnRef>
+          <a:fillRef idx="1">
+            <a:schemeClr val="dk1"/>
+          </a:fillRef>
+          <a:effectRef idx="0">
+            <a:schemeClr val="dk1"/>
+          </a:effectRef>
+          <a:fontRef idx="minor">
+            <a:schemeClr val="lt1"/>
+          </a:fontRef>
+        </p:style>
+        <p:txBody>
+          <a:bodyPr rtlCol="0" anchor="ctr"/>
+          <a:lstStyle/>
+          <a:p>
+            <a:pPr marL="0" marR="0" lvl="0" indent="0" algn="ctr" defTabSz="914400" rtl="0" eaLnBrk="1" fontAlgn="auto" latinLnBrk="0" hangingPunct="1">
+              <a:lnSpc>
+                <a:spcPct val="100000"/>
+              </a:lnSpc>
+              <a:spcBef>
+                <a:spcPts val="0"/>
+              </a:spcBef>
+              <a:spcAft>
+                <a:spcPts val="0"/>
+              </a:spcAft>
+              <a:buClrTx/>
+              <a:buSzTx/>
+              <a:buFontTx/>
+              <a:buNone/>
+              <a:tabLst/>
+              <a:defRPr/>
+            </a:pPr>
+            <a:endParaRPr kumimoji="0" lang="tr-TR" sz="1800" b="0" i="0" u="none" strike="noStrike" kern="1200" cap="none" spc="0" normalizeH="0" baseline="0" noProof="0" dirty="0">
+              <a:ln>
+                <a:noFill/>
+              </a:ln>
+              <a:solidFill>
+                <a:prstClr val="white"/>
+              </a:solidFill>
+              <a:effectLst/>
+              <a:uLnTx/>
+              <a:uFillTx/>
+              <a:latin typeface="Calibri" panose="020F0502020204030204"/>
+              <a:ea typeface="+mn-ea"/>
+              <a:cs typeface="+mn-cs"/>
+            </a:endParaRPr>
+          </a:p>
+        </p:txBody>
+      </p:sp>
     </p:spTree>
     <p:extLst>
       <p:ext uri="{BB962C8B-B14F-4D97-AF65-F5344CB8AC3E}">
@@ -10175,13 +10324,6 @@
   <p:transition spd="med">
     <p:pull dir="r"/>
   </p:transition>
-  <p:timing>
-    <p:tnLst>
-      <p:par>
-        <p:cTn id="1" dur="indefinite" restart="never" nodeType="tmRoot"/>
-      </p:par>
-    </p:tnLst>
-  </p:timing>
 </p:sld>
 </file>
 
